--- a/ppt/chap-无监督学习.pptx
+++ b/ppt/chap-无监督学习.pptx
@@ -36,7 +36,7 @@
     <p:sldId id="472" r:id="rId27"/>
     <p:sldId id="447" r:id="rId28"/>
   </p:sldIdLst>
-  <p:sldSz cx="9144000" cy="6858000" type="screen4x3"/>
+  <p:sldSz cx="12192000" cy="6858000"/>
   <p:notesSz cx="6858000" cy="9144000"/>
   <p:defaultTextStyle>
     <a:defPPr>
@@ -206,7 +206,7 @@
             <a:srgbClr val="A4A3A4"/>
           </p15:clr>
         </p15:guide>
-        <p15:guide id="2" pos="2880" userDrawn="1">
+        <p15:guide id="2" pos="3840" userDrawn="1">
           <p15:clr>
             <a:srgbClr val="A4A3A4"/>
           </p15:clr>
@@ -323,7 +323,7 @@
               <a:pPr>
                 <a:defRPr/>
               </a:pPr>
-              <a:t>11/12/2018</a:t>
+              <a:t>11/14/2019</a:t>
             </a:fld>
             <a:endParaRPr lang="en-US" altLang="zh-CN"/>
           </a:p>
@@ -341,8 +341,8 @@
         </p:nvSpPr>
         <p:spPr>
           <a:xfrm>
-            <a:off x="1143000" y="685800"/>
-            <a:ext cx="4572000" cy="3429000"/>
+            <a:off x="381000" y="685800"/>
+            <a:ext cx="6096000" cy="3429000"/>
           </a:xfrm>
           <a:prstGeom prst="rect">
             <a:avLst/>
@@ -673,8 +673,8 @@
         </p:nvSpPr>
         <p:spPr>
           <a:xfrm>
-            <a:off x="1143000" y="685800"/>
-            <a:ext cx="4572000" cy="3429000"/>
+            <a:off x="381000" y="685800"/>
+            <a:ext cx="6096000" cy="3429000"/>
           </a:xfrm>
         </p:spPr>
       </p:sp>
@@ -766,7 +766,12 @@
             <p:ph type="sldImg"/>
           </p:nvPr>
         </p:nvSpPr>
-        <p:spPr/>
+        <p:spPr>
+          <a:xfrm>
+            <a:off x="381000" y="685800"/>
+            <a:ext cx="6096000" cy="3429000"/>
+          </a:xfrm>
+        </p:spPr>
       </p:sp>
       <p:sp>
         <p:nvSpPr>
@@ -856,7 +861,12 @@
             <p:ph type="sldImg"/>
           </p:nvPr>
         </p:nvSpPr>
-        <p:spPr/>
+        <p:spPr>
+          <a:xfrm>
+            <a:off x="381000" y="685800"/>
+            <a:ext cx="6096000" cy="3429000"/>
+          </a:xfrm>
+        </p:spPr>
       </p:sp>
       <p:sp>
         <p:nvSpPr>
@@ -953,8 +963,8 @@
         </p:nvSpPr>
         <p:spPr>
           <a:xfrm>
-            <a:off x="749300" y="2438402"/>
-            <a:ext cx="7315200" cy="1956197"/>
+            <a:off x="999067" y="2438403"/>
+            <a:ext cx="9753600" cy="1956197"/>
           </a:xfrm>
           <a:prstGeom prst="rect">
             <a:avLst/>
@@ -1102,8 +1112,8 @@
         </p:nvSpPr>
         <p:spPr>
           <a:xfrm>
-            <a:off x="228600" y="673895"/>
-            <a:ext cx="5410200" cy="719623"/>
+            <a:off x="304800" y="673896"/>
+            <a:ext cx="7213600" cy="719623"/>
           </a:xfrm>
           <a:prstGeom prst="rect">
             <a:avLst/>
@@ -1251,8 +1261,8 @@
         </p:nvSpPr>
         <p:spPr>
           <a:xfrm>
-            <a:off x="749300" y="2438402"/>
-            <a:ext cx="228600" cy="1956197"/>
+            <a:off x="999067" y="2438403"/>
+            <a:ext cx="304800" cy="1956197"/>
           </a:xfrm>
           <a:prstGeom prst="rect">
             <a:avLst/>
@@ -1400,8 +1410,8 @@
         </p:nvSpPr>
         <p:spPr>
           <a:xfrm>
-            <a:off x="269854" y="665099"/>
-            <a:ext cx="140865" cy="731230"/>
+            <a:off x="359806" y="665099"/>
+            <a:ext cx="187820" cy="731230"/>
           </a:xfrm>
           <a:prstGeom prst="rect">
             <a:avLst/>
@@ -1553,8 +1563,8 @@
         </p:nvSpPr>
         <p:spPr>
           <a:xfrm>
-            <a:off x="1063625" y="2676526"/>
-            <a:ext cx="6858000" cy="1514475"/>
+            <a:off x="1418167" y="2676527"/>
+            <a:ext cx="9144000" cy="1514475"/>
           </a:xfrm>
         </p:spPr>
         <p:txBody>
@@ -1587,8 +1597,8 @@
         </p:nvSpPr>
         <p:spPr>
           <a:xfrm>
-            <a:off x="422254" y="726666"/>
-            <a:ext cx="5140347" cy="568735"/>
+            <a:off x="563006" y="726666"/>
+            <a:ext cx="6853796" cy="568735"/>
           </a:xfrm>
         </p:spPr>
         <p:txBody>
@@ -1647,8 +1657,8 @@
         </p:nvSpPr>
         <p:spPr>
           <a:xfrm>
-            <a:off x="2209801" y="4800600"/>
-            <a:ext cx="5053013" cy="1600200"/>
+            <a:off x="2946402" y="4800600"/>
+            <a:ext cx="6737351" cy="1600200"/>
           </a:xfrm>
         </p:spPr>
         <p:txBody>
@@ -1712,8 +1722,8 @@
         </p:nvSpPr>
         <p:spPr>
           <a:xfrm>
-            <a:off x="749300" y="2438402"/>
-            <a:ext cx="7315200" cy="1956197"/>
+            <a:off x="999067" y="2438403"/>
+            <a:ext cx="9753600" cy="1956197"/>
           </a:xfrm>
           <a:prstGeom prst="rect">
             <a:avLst/>
@@ -1861,8 +1871,8 @@
         </p:nvSpPr>
         <p:spPr>
           <a:xfrm>
-            <a:off x="749300" y="2438402"/>
-            <a:ext cx="228600" cy="1956197"/>
+            <a:off x="999067" y="2438403"/>
+            <a:ext cx="304800" cy="1956197"/>
           </a:xfrm>
           <a:prstGeom prst="rect">
             <a:avLst/>
@@ -2014,8 +2024,8 @@
         </p:nvSpPr>
         <p:spPr>
           <a:xfrm>
-            <a:off x="1063625" y="2676526"/>
-            <a:ext cx="6858000" cy="1514475"/>
+            <a:off x="1418167" y="2676527"/>
+            <a:ext cx="9144000" cy="1514475"/>
           </a:xfrm>
         </p:spPr>
         <p:txBody>
@@ -2107,8 +2117,8 @@
         </p:nvSpPr>
         <p:spPr>
           <a:xfrm>
-            <a:off x="457200" y="1219200"/>
-            <a:ext cx="8229600" cy="4937760"/>
+            <a:off x="609600" y="1219200"/>
+            <a:ext cx="10972800" cy="4937760"/>
           </a:xfrm>
         </p:spPr>
         <p:txBody>
@@ -2284,8 +2294,8 @@
         </p:nvSpPr>
         <p:spPr>
           <a:xfrm>
-            <a:off x="457200" y="228600"/>
-            <a:ext cx="8229600" cy="914400"/>
+            <a:off x="609600" y="228600"/>
+            <a:ext cx="10972800" cy="914400"/>
           </a:xfrm>
         </p:spPr>
         <p:txBody>
@@ -2311,8 +2321,8 @@
         </p:nvSpPr>
         <p:spPr>
           <a:xfrm>
-            <a:off x="457200" y="1219200"/>
-            <a:ext cx="4041648" cy="4937760"/>
+            <a:off x="609600" y="1219200"/>
+            <a:ext cx="5388864" cy="4937760"/>
           </a:xfrm>
         </p:spPr>
         <p:txBody>
@@ -2367,8 +2377,8 @@
         </p:nvSpPr>
         <p:spPr>
           <a:xfrm>
-            <a:off x="4632198" y="1216152"/>
-            <a:ext cx="4041648" cy="4937760"/>
+            <a:off x="6176264" y="1216152"/>
+            <a:ext cx="5388864" cy="4937760"/>
           </a:xfrm>
         </p:spPr>
         <p:txBody>
@@ -2453,8 +2463,8 @@
         </p:nvSpPr>
         <p:spPr>
           <a:xfrm>
-            <a:off x="457200" y="228600"/>
-            <a:ext cx="8229600" cy="914400"/>
+            <a:off x="609600" y="228600"/>
+            <a:ext cx="10972800" cy="914400"/>
           </a:xfrm>
         </p:spPr>
         <p:txBody>
@@ -2480,8 +2490,8 @@
         </p:nvSpPr>
         <p:spPr>
           <a:xfrm>
-            <a:off x="457200" y="1219200"/>
-            <a:ext cx="4724400" cy="4937760"/>
+            <a:off x="609600" y="1219200"/>
+            <a:ext cx="6299200" cy="4937760"/>
           </a:xfrm>
         </p:spPr>
         <p:txBody>
@@ -2532,7 +2542,7 @@
         </p:nvCxnSpPr>
         <p:spPr>
           <a:xfrm>
-            <a:off x="5334000" y="1219200"/>
+            <a:off x="7112000" y="1219200"/>
             <a:ext cx="0" cy="4937760"/>
           </a:xfrm>
           <a:prstGeom prst="line">
@@ -2622,8 +2632,8 @@
         </p:nvSpPr>
         <p:spPr>
           <a:xfrm>
-            <a:off x="3657600" y="3048002"/>
-            <a:ext cx="2286000" cy="646331"/>
+            <a:off x="4876800" y="3048003"/>
+            <a:ext cx="3048000" cy="646331"/>
           </a:xfrm>
           <a:prstGeom prst="rect">
             <a:avLst/>
@@ -2699,8 +2709,8 @@
         </p:nvSpPr>
         <p:spPr bwMode="auto">
           <a:xfrm>
-            <a:off x="457200" y="152400"/>
-            <a:ext cx="8229600" cy="990600"/>
+            <a:off x="609600" y="152400"/>
+            <a:ext cx="10972800" cy="990600"/>
           </a:xfrm>
           <a:prstGeom prst="rect">
             <a:avLst/>
@@ -2711,14 +2721,14 @@
           </a:ln>
           <a:extLst>
             <a:ext uri="{909E8E84-426E-40dd-AFC4-6F175D3DCCD1}">
-              <a14:hiddenFill xmlns="" xmlns:a14="http://schemas.microsoft.com/office/drawing/2010/main">
+              <a14:hiddenFill xmlns:a14="http://schemas.microsoft.com/office/drawing/2010/main" xmlns="">
                 <a:solidFill>
                   <a:srgbClr val="FFFFFF"/>
                 </a:solidFill>
               </a14:hiddenFill>
             </a:ext>
             <a:ext uri="{91240B29-F687-4f45-9708-019B960494DF}">
-              <a14:hiddenLine xmlns="" xmlns:a14="http://schemas.microsoft.com/office/drawing/2010/main" w="9525">
+              <a14:hiddenLine xmlns:a14="http://schemas.microsoft.com/office/drawing/2010/main" xmlns="" w="9525">
                 <a:solidFill>
                   <a:srgbClr val="000000"/>
                 </a:solidFill>
@@ -2757,8 +2767,8 @@
         </p:nvSpPr>
         <p:spPr bwMode="auto">
           <a:xfrm>
-            <a:off x="457200" y="1219200"/>
-            <a:ext cx="8229600" cy="4910138"/>
+            <a:off x="609600" y="1219200"/>
+            <a:ext cx="10972800" cy="4910138"/>
           </a:xfrm>
           <a:prstGeom prst="rect">
             <a:avLst/>
@@ -2769,14 +2779,14 @@
           </a:ln>
           <a:extLst>
             <a:ext uri="{909E8E84-426E-40dd-AFC4-6F175D3DCCD1}">
-              <a14:hiddenFill xmlns="" xmlns:a14="http://schemas.microsoft.com/office/drawing/2010/main">
+              <a14:hiddenFill xmlns:a14="http://schemas.microsoft.com/office/drawing/2010/main" xmlns="">
                 <a:solidFill>
                   <a:srgbClr val="FFFFFF"/>
                 </a:solidFill>
               </a14:hiddenFill>
             </a:ext>
             <a:ext uri="{91240B29-F687-4f45-9708-019B960494DF}">
-              <a14:hiddenLine xmlns="" xmlns:a14="http://schemas.microsoft.com/office/drawing/2010/main" w="9525">
+              <a14:hiddenLine xmlns:a14="http://schemas.microsoft.com/office/drawing/2010/main" xmlns="" w="9525">
                 <a:solidFill>
                   <a:srgbClr val="000000"/>
                 </a:solidFill>
@@ -2841,8 +2851,8 @@
         </p:nvSpPr>
         <p:spPr bwMode="auto">
           <a:xfrm>
-            <a:off x="457200" y="1143000"/>
-            <a:ext cx="8229600" cy="0"/>
+            <a:off x="609600" y="1143000"/>
+            <a:ext cx="10972800" cy="0"/>
           </a:xfrm>
           <a:prstGeom prst="line">
             <a:avLst/>
@@ -2859,7 +2869,7 @@
           </a:ln>
           <a:extLst>
             <a:ext uri="{909E8E84-426E-40dd-AFC4-6F175D3DCCD1}">
-              <a14:hiddenFill xmlns="" xmlns:a14="http://schemas.microsoft.com/office/drawing/2010/main">
+              <a14:hiddenFill xmlns:a14="http://schemas.microsoft.com/office/drawing/2010/main" xmlns="">
                 <a:noFill/>
               </a14:hiddenFill>
             </a:ext>
@@ -2883,8 +2893,8 @@
         </p:nvSpPr>
         <p:spPr bwMode="auto">
           <a:xfrm>
-            <a:off x="457200" y="6353175"/>
-            <a:ext cx="8229600" cy="0"/>
+            <a:off x="609600" y="6353175"/>
+            <a:ext cx="10972800" cy="0"/>
           </a:xfrm>
           <a:prstGeom prst="line">
             <a:avLst/>
@@ -2901,7 +2911,7 @@
           </a:ln>
           <a:extLst>
             <a:ext uri="{909E8E84-426E-40dd-AFC4-6F175D3DCCD1}">
-              <a14:hiddenFill xmlns="" xmlns:a14="http://schemas.microsoft.com/office/drawing/2010/main">
+              <a14:hiddenFill xmlns:a14="http://schemas.microsoft.com/office/drawing/2010/main" xmlns="">
                 <a:noFill/>
               </a14:hiddenFill>
             </a:ext>
@@ -2928,8 +2938,8 @@
         </p:nvSpPr>
         <p:spPr>
           <a:xfrm>
-            <a:off x="3048000" y="6362436"/>
-            <a:ext cx="2971800" cy="365125"/>
+            <a:off x="4064000" y="6362437"/>
+            <a:ext cx="3962400" cy="365125"/>
           </a:xfrm>
           <a:prstGeom prst="rect">
             <a:avLst/>
@@ -3106,7 +3116,7 @@
         </p:nvSpPr>
         <p:spPr>
           <a:xfrm>
-            <a:off x="8229600" y="6362436"/>
+            <a:off x="10972800" y="6362437"/>
             <a:ext cx="375424" cy="307777"/>
           </a:xfrm>
           <a:prstGeom prst="rect">
@@ -3616,21 +3626,6 @@
           <a:p>
             <a:r>
               <a:rPr lang="zh-CN" altLang="en-US" dirty="0"/>
-              <a:t>第</a:t>
-            </a:r>
-            <a:r>
-              <a:rPr lang="en-US" altLang="zh-CN"/>
-              <a:t>9</a:t>
-            </a:r>
-            <a:r>
-              <a:rPr lang="zh-CN" altLang="en-US"/>
-              <a:t>章</a:t>
-            </a:r>
-            <a:br>
-              <a:rPr lang="en-US" altLang="zh-CN" dirty="0"/>
-            </a:br>
-            <a:r>
-              <a:rPr lang="zh-CN" altLang="en-US" dirty="0"/>
               <a:t>无监督学习</a:t>
             </a:r>
           </a:p>
@@ -3804,7 +3799,7 @@
         </p:blipFill>
         <p:spPr>
           <a:xfrm>
-            <a:off x="1295400" y="2590800"/>
+            <a:off x="2819400" y="2590800"/>
             <a:ext cx="6443432" cy="2652882"/>
           </a:xfrm>
           <a:prstGeom prst="rect">
@@ -4071,7 +4066,7 @@
         </p:blipFill>
         <p:spPr>
           <a:xfrm>
-            <a:off x="4686316" y="3357477"/>
+            <a:off x="6210317" y="3357478"/>
             <a:ext cx="3162741" cy="2972215"/>
           </a:xfrm>
           <a:prstGeom prst="rect">
@@ -4107,7 +4102,7 @@
         </p:blipFill>
         <p:spPr>
           <a:xfrm>
-            <a:off x="4343400" y="1143000"/>
+            <a:off x="5867400" y="1143000"/>
             <a:ext cx="1752600" cy="633470"/>
           </a:xfrm>
           <a:prstGeom prst="rect">
@@ -4143,7 +4138,7 @@
         </p:blipFill>
         <p:spPr>
           <a:xfrm>
-            <a:off x="4267199" y="1672992"/>
+            <a:off x="5791200" y="1672993"/>
             <a:ext cx="1905001" cy="529167"/>
           </a:xfrm>
           <a:prstGeom prst="rect">
@@ -4179,7 +4174,7 @@
         </p:blipFill>
         <p:spPr>
           <a:xfrm>
-            <a:off x="838200" y="4038600"/>
+            <a:off x="2362200" y="4038600"/>
             <a:ext cx="3434662" cy="1752600"/>
           </a:xfrm>
           <a:prstGeom prst="rect">
@@ -4309,7 +4304,7 @@
         </p:blipFill>
         <p:spPr>
           <a:xfrm>
-            <a:off x="1524000" y="2949555"/>
+            <a:off x="3048001" y="2949556"/>
             <a:ext cx="5480195" cy="958889"/>
           </a:xfrm>
           <a:prstGeom prst="rect">
@@ -4614,7 +4609,7 @@
         </p:blipFill>
         <p:spPr>
           <a:xfrm>
-            <a:off x="1752600" y="3486210"/>
+            <a:off x="3276600" y="3486210"/>
             <a:ext cx="5794540" cy="2746950"/>
           </a:xfrm>
           <a:prstGeom prst="rect">
@@ -5160,7 +5155,7 @@
         </p:blipFill>
         <p:spPr>
           <a:xfrm>
-            <a:off x="2667000" y="3352800"/>
+            <a:off x="4191001" y="3352800"/>
             <a:ext cx="3181457" cy="949586"/>
           </a:xfrm>
           <a:prstGeom prst="rect">
@@ -6283,7 +6278,7 @@
         </p:blipFill>
         <p:spPr>
           <a:xfrm>
-            <a:off x="2895600" y="2971800"/>
+            <a:off x="4953000" y="2438400"/>
             <a:ext cx="1799365" cy="787487"/>
           </a:xfrm>
           <a:prstGeom prst="rect">
@@ -6319,7 +6314,7 @@
         </p:blipFill>
         <p:spPr>
           <a:xfrm>
-            <a:off x="2667000" y="5428125"/>
+            <a:off x="4724400" y="5029200"/>
             <a:ext cx="3156640" cy="719528"/>
           </a:xfrm>
           <a:prstGeom prst="rect">
@@ -6445,6 +6440,9 @@
             <a:endParaRPr lang="en-US" altLang="zh-CN" dirty="0"/>
           </a:p>
           <a:p>
+            <a:endParaRPr lang="en-US" altLang="zh-CN" dirty="0"/>
+          </a:p>
+          <a:p>
             <a:r>
               <a:rPr lang="zh-CN" altLang="en-US" dirty="0"/>
               <a:t>结合上述两个公式，得到</a:t>
@@ -6481,7 +6479,7 @@
         </p:blipFill>
         <p:spPr>
           <a:xfrm>
-            <a:off x="3657600" y="1826234"/>
+            <a:off x="5181600" y="1826235"/>
             <a:ext cx="1143000" cy="887423"/>
           </a:xfrm>
           <a:prstGeom prst="rect">
@@ -6517,7 +6515,7 @@
         </p:blipFill>
         <p:spPr>
           <a:xfrm>
-            <a:off x="3429000" y="3807466"/>
+            <a:off x="5088410" y="3651413"/>
             <a:ext cx="1838272" cy="673756"/>
           </a:xfrm>
           <a:prstGeom prst="rect">
@@ -6553,7 +6551,7 @@
         </p:blipFill>
         <p:spPr>
           <a:xfrm>
-            <a:off x="3564410" y="5139971"/>
+            <a:off x="5088410" y="5139971"/>
             <a:ext cx="2015180" cy="1090862"/>
           </a:xfrm>
           <a:prstGeom prst="rect">
@@ -6683,7 +6681,7 @@
         </p:blipFill>
         <p:spPr>
           <a:xfrm>
-            <a:off x="685800" y="2438400"/>
+            <a:off x="2209800" y="2438400"/>
             <a:ext cx="7315624" cy="1676400"/>
           </a:xfrm>
           <a:prstGeom prst="rect">
@@ -6719,7 +6717,7 @@
         </p:blipFill>
         <p:spPr>
           <a:xfrm>
-            <a:off x="2286000" y="4458196"/>
+            <a:off x="3810000" y="4458197"/>
             <a:ext cx="5211908" cy="1732501"/>
           </a:xfrm>
           <a:prstGeom prst="rect">
@@ -6978,7 +6976,7 @@
         </p:blipFill>
         <p:spPr>
           <a:xfrm>
-            <a:off x="1830538" y="4191000"/>
+            <a:off x="3354539" y="4191000"/>
             <a:ext cx="5482923" cy="1197096"/>
           </a:xfrm>
           <a:prstGeom prst="rect">
@@ -7074,7 +7072,7 @@
         </p:blipFill>
         <p:spPr>
           <a:xfrm>
-            <a:off x="762000" y="1524000"/>
+            <a:off x="2286000" y="1524000"/>
             <a:ext cx="6858000" cy="3120670"/>
           </a:xfrm>
         </p:spPr>
@@ -7261,7 +7259,7 @@
         </p:nvSpPr>
         <p:spPr>
           <a:xfrm>
-            <a:off x="3352800" y="4038600"/>
+            <a:off x="4876800" y="4038600"/>
             <a:ext cx="2313454" cy="369332"/>
           </a:xfrm>
           <a:prstGeom prst="rect">
@@ -7353,7 +7351,7 @@
         </p:nvSpPr>
         <p:spPr>
           <a:xfrm>
-            <a:off x="1047781" y="1905000"/>
+            <a:off x="2571782" y="1905000"/>
             <a:ext cx="7048437" cy="2677656"/>
           </a:xfrm>
           <a:prstGeom prst="rect">
@@ -7517,7 +7515,7 @@
         </p:blipFill>
         <p:spPr>
           <a:xfrm>
-            <a:off x="6302759" y="1752600"/>
+            <a:off x="7826759" y="1752601"/>
             <a:ext cx="2266542" cy="1923497"/>
           </a:xfrm>
           <a:prstGeom prst="rect">
@@ -7539,7 +7537,7 @@
         </p:nvSpPr>
         <p:spPr>
           <a:xfrm>
-            <a:off x="533400" y="4800600"/>
+            <a:off x="2057400" y="4800601"/>
             <a:ext cx="2438400" cy="461665"/>
           </a:xfrm>
           <a:prstGeom prst="rect">
@@ -7575,7 +7573,7 @@
         </p:nvSpPr>
         <p:spPr>
           <a:xfrm>
-            <a:off x="7162800" y="4800600"/>
+            <a:off x="8686801" y="4800601"/>
             <a:ext cx="1066959" cy="461665"/>
           </a:xfrm>
           <a:prstGeom prst="rect">
@@ -7610,7 +7608,7 @@
         </p:nvSpPr>
         <p:spPr>
           <a:xfrm>
-            <a:off x="3810000" y="4800600"/>
+            <a:off x="5334000" y="4800601"/>
             <a:ext cx="1887696" cy="461665"/>
           </a:xfrm>
           <a:prstGeom prst="rect">
@@ -7660,7 +7658,7 @@
         </p:blipFill>
         <p:spPr>
           <a:xfrm>
-            <a:off x="3505200" y="1479977"/>
+            <a:off x="5029200" y="1479978"/>
             <a:ext cx="2266542" cy="2219969"/>
           </a:xfrm>
           <a:prstGeom prst="rect">
@@ -7696,7 +7694,7 @@
         </p:blipFill>
         <p:spPr>
           <a:xfrm>
-            <a:off x="373439" y="1636846"/>
+            <a:off x="1897440" y="1636846"/>
             <a:ext cx="2758321" cy="2155004"/>
           </a:xfrm>
           <a:prstGeom prst="rect">
@@ -7860,13 +7858,7 @@
           <a:p>
             <a:r>
               <a:rPr lang="zh-CN" altLang="en-US" dirty="0"/>
-              <a:t>一种最常用的数据降</a:t>
-            </a:r>
-          </a:p>
-          <a:p>
-            <a:r>
-              <a:rPr lang="zh-CN" altLang="en-US" dirty="0"/>
-              <a:t>维方法，使得在转换后的空间中数据的方差最大</a:t>
+              <a:t>一种最常用的数据降维方法，使得在转换后的空间中数据的方差最大</a:t>
             </a:r>
           </a:p>
         </p:txBody>
@@ -7899,7 +7891,7 @@
         </p:blipFill>
         <p:spPr>
           <a:xfrm>
-            <a:off x="2209800" y="2978162"/>
+            <a:off x="3733800" y="2978162"/>
             <a:ext cx="4068738" cy="3178798"/>
           </a:xfrm>
           <a:prstGeom prst="rect">
@@ -8148,7 +8140,7 @@
         </p:blipFill>
         <p:spPr>
           <a:xfrm>
-            <a:off x="3733800" y="2743972"/>
+            <a:off x="5257800" y="2743972"/>
             <a:ext cx="1905000" cy="1510862"/>
           </a:xfrm>
           <a:prstGeom prst="rect">
@@ -8170,7 +8162,7 @@
         </p:nvSpPr>
         <p:spPr>
           <a:xfrm>
-            <a:off x="5638800" y="4572000"/>
+            <a:off x="7162801" y="4572000"/>
             <a:ext cx="2044149" cy="369332"/>
           </a:xfrm>
           <a:prstGeom prst="rect">
@@ -8204,7 +8196,7 @@
         </p:nvSpPr>
         <p:spPr>
           <a:xfrm>
-            <a:off x="2476555" y="4554550"/>
+            <a:off x="4000556" y="4554550"/>
             <a:ext cx="2095445" cy="369332"/>
           </a:xfrm>
           <a:prstGeom prst="rect">
@@ -8241,7 +8233,7 @@
         </p:nvCxnSpPr>
         <p:spPr>
           <a:xfrm flipH="1">
-            <a:off x="3524278" y="4038600"/>
+            <a:off x="5048278" y="4038600"/>
             <a:ext cx="971524" cy="515950"/>
           </a:xfrm>
           <a:prstGeom prst="line">
@@ -8280,7 +8272,7 @@
         </p:nvCxnSpPr>
         <p:spPr>
           <a:xfrm>
-            <a:off x="4800600" y="4038600"/>
+            <a:off x="6324601" y="4038600"/>
             <a:ext cx="1860275" cy="533400"/>
           </a:xfrm>
           <a:prstGeom prst="line">
@@ -8961,7 +8953,7 @@
         </p:blipFill>
         <p:spPr>
           <a:xfrm>
-            <a:off x="2133600" y="2438400"/>
+            <a:off x="3657600" y="2438400"/>
             <a:ext cx="4597976" cy="914400"/>
           </a:xfrm>
           <a:prstGeom prst="rect">
@@ -8997,7 +8989,7 @@
         </p:blipFill>
         <p:spPr>
           <a:xfrm>
-            <a:off x="533400" y="5328622"/>
+            <a:off x="2057400" y="5328622"/>
             <a:ext cx="1981200" cy="906550"/>
           </a:xfrm>
           <a:prstGeom prst="rect">
@@ -9033,7 +9025,7 @@
         </p:blipFill>
         <p:spPr>
           <a:xfrm>
-            <a:off x="609600" y="4297680"/>
+            <a:off x="2133601" y="4297680"/>
             <a:ext cx="2511845" cy="914400"/>
           </a:xfrm>
           <a:prstGeom prst="rect">
@@ -9069,7 +9061,7 @@
         </p:blipFill>
         <p:spPr>
           <a:xfrm>
-            <a:off x="3784037" y="4951196"/>
+            <a:off x="5308038" y="4951196"/>
             <a:ext cx="2196639" cy="906550"/>
           </a:xfrm>
           <a:prstGeom prst="rect">
@@ -9105,7 +9097,7 @@
         </p:blipFill>
         <p:spPr>
           <a:xfrm>
-            <a:off x="6511307" y="4964514"/>
+            <a:off x="8035307" y="4964515"/>
             <a:ext cx="2340160" cy="906549"/>
           </a:xfrm>
           <a:prstGeom prst="rect">

--- a/ppt/chap-无监督学习.pptx
+++ b/ppt/chap-无监督学习.pptx
@@ -2,7 +2,7 @@
 <file path=ppt/presentation.xml><?xml version="1.0" encoding="utf-8"?>
 <p:presentation xmlns:a="http://schemas.openxmlformats.org/drawingml/2006/main" xmlns:r="http://schemas.openxmlformats.org/officeDocument/2006/relationships" xmlns:p="http://schemas.openxmlformats.org/presentationml/2006/main" saveSubsetFonts="1" autoCompressPictures="0">
   <p:sldMasterIdLst>
-    <p:sldMasterId id="2147483833" r:id="rId1"/>
+    <p:sldMasterId id="2147483844" r:id="rId1"/>
   </p:sldMasterIdLst>
   <p:notesMasterIdLst>
     <p:notesMasterId r:id="rId30"/>
@@ -289,7 +289,7 @@
               <a:pPr>
                 <a:defRPr/>
               </a:pPr>
-              <a:t>4/27/2020</a:t>
+              <a:t>12/2/2020</a:t>
             </a:fld>
             <a:endParaRPr lang="en-US" altLang="zh-CN"/>
           </a:p>
@@ -817,6 +817,42 @@
           <a:chExt cx="0" cy="0"/>
         </a:xfrm>
       </p:grpSpPr>
+      <p:pic>
+        <p:nvPicPr>
+          <p:cNvPr id="3" name="图片 2">
+            <a:extLst>
+              <a:ext uri="{FF2B5EF4-FFF2-40B4-BE49-F238E27FC236}">
+                <a16:creationId xmlns:a16="http://schemas.microsoft.com/office/drawing/2014/main" id="{2966F891-39E4-4949-84B5-293BD1F65EA1}"/>
+              </a:ext>
+            </a:extLst>
+          </p:cNvPr>
+          <p:cNvPicPr>
+            <a:picLocks noChangeAspect="1"/>
+          </p:cNvPicPr>
+          <p:nvPr/>
+        </p:nvPicPr>
+        <p:blipFill>
+          <a:blip r:embed="rId2">
+            <a:extLst>
+              <a:ext uri="{28A0092B-C50C-407E-A947-70E740481C1C}">
+                <a14:useLocalDpi xmlns:a14="http://schemas.microsoft.com/office/drawing/2010/main" val="0"/>
+              </a:ext>
+            </a:extLst>
+          </a:blip>
+          <a:stretch>
+            <a:fillRect/>
+          </a:stretch>
+        </p:blipFill>
+        <p:spPr>
+          <a:xfrm>
+            <a:off x="359807" y="1524000"/>
+            <a:ext cx="6117446" cy="4684464"/>
+          </a:xfrm>
+          <a:prstGeom prst="rect">
+            <a:avLst/>
+          </a:prstGeom>
+        </p:spPr>
+      </p:pic>
       <p:sp>
         <p:nvSpPr>
           <p:cNvPr id="4" name="Rectangle 10"/>
@@ -825,8 +861,8 @@
         </p:nvSpPr>
         <p:spPr>
           <a:xfrm>
-            <a:off x="999067" y="2438405"/>
-            <a:ext cx="9753600" cy="1956197"/>
+            <a:off x="4038600" y="3657600"/>
+            <a:ext cx="6637866" cy="1654481"/>
           </a:xfrm>
           <a:prstGeom prst="rect">
             <a:avLst/>
@@ -975,7 +1011,7 @@
         <p:spPr>
           <a:xfrm>
             <a:off x="304800" y="673897"/>
-            <a:ext cx="7213600" cy="719623"/>
+            <a:ext cx="6117446" cy="719623"/>
           </a:xfrm>
           <a:prstGeom prst="rect">
             <a:avLst/>
@@ -1123,14 +1159,14 @@
         </p:nvSpPr>
         <p:spPr>
           <a:xfrm>
-            <a:off x="999067" y="2438405"/>
-            <a:ext cx="304800" cy="1956197"/>
+            <a:off x="4038600" y="3657600"/>
+            <a:ext cx="304800" cy="1654481"/>
           </a:xfrm>
           <a:prstGeom prst="rect">
             <a:avLst/>
           </a:prstGeom>
           <a:solidFill>
-            <a:schemeClr val="accent1"/>
+            <a:srgbClr val="EB641B"/>
           </a:solidFill>
           <a:ln w="6350" cap="rnd" cmpd="sng" algn="ctr">
             <a:noFill/>
@@ -1425,15 +1461,15 @@
         </p:nvSpPr>
         <p:spPr>
           <a:xfrm>
-            <a:off x="1418167" y="2676528"/>
-            <a:ext cx="9144000" cy="1514475"/>
+            <a:off x="4343400" y="3827594"/>
+            <a:ext cx="6142566" cy="1280888"/>
           </a:xfrm>
         </p:spPr>
         <p:txBody>
           <a:bodyPr anchor="ctr"/>
           <a:lstStyle>
             <a:lvl1pPr algn="ctr">
-              <a:defRPr sz="2700" baseline="0">
+              <a:defRPr sz="2800" baseline="0">
                 <a:solidFill>
                   <a:schemeClr val="tx1"/>
                 </a:solidFill>
@@ -1464,15 +1500,18 @@
         <p:spPr>
           <a:xfrm>
             <a:off x="563006" y="726666"/>
-            <a:ext cx="6853796" cy="568735"/>
+            <a:ext cx="5812317" cy="568735"/>
           </a:xfrm>
+          <a:prstGeom prst="rect">
+            <a:avLst/>
+          </a:prstGeom>
         </p:spPr>
         <p:txBody>
           <a:bodyPr anchor="ctr"/>
           <a:lstStyle>
             <a:lvl1pPr marL="0" indent="0" algn="ctr">
               <a:buNone/>
-              <a:defRPr sz="1800" baseline="0">
+              <a:defRPr sz="2400" baseline="0">
                 <a:solidFill>
                   <a:schemeClr val="tx2"/>
                 </a:solidFill>
@@ -1527,16 +1566,19 @@
         </p:nvSpPr>
         <p:spPr>
           <a:xfrm>
-            <a:off x="2946403" y="4800600"/>
-            <a:ext cx="6737351" cy="1600200"/>
+            <a:off x="5280025" y="5550204"/>
+            <a:ext cx="4273554" cy="790860"/>
           </a:xfrm>
+          <a:prstGeom prst="rect">
+            <a:avLst/>
+          </a:prstGeom>
         </p:spPr>
         <p:txBody>
           <a:bodyPr/>
           <a:lstStyle>
             <a:lvl1pPr marL="0" indent="0" algn="ctr">
               <a:buNone/>
-              <a:defRPr sz="1800" baseline="0">
+              <a:defRPr sz="2400" baseline="0">
                 <a:solidFill>
                   <a:schemeClr val="accent1">
                     <a:lumMod val="60000"/>
@@ -1560,7 +1602,7 @@
     </p:spTree>
     <p:extLst>
       <p:ext uri="{BB962C8B-B14F-4D97-AF65-F5344CB8AC3E}">
-        <p14:creationId xmlns:p14="http://schemas.microsoft.com/office/powerpoint/2010/main" val="3108395752"/>
+        <p14:creationId xmlns:p14="http://schemas.microsoft.com/office/powerpoint/2010/main" val="1560676079"/>
       </p:ext>
     </p:extLst>
   </p:cSld>
@@ -1568,6 +1610,155 @@
     <a:masterClrMapping/>
   </p:clrMapOvr>
   <p:hf hdr="0" ftr="0" dt="0"/>
+</p:sldLayout>
+</file>
+
+<file path=ppt/slideLayouts/slideLayout10.xml><?xml version="1.0" encoding="utf-8"?>
+<p:sldLayout xmlns:a="http://schemas.openxmlformats.org/drawingml/2006/main" xmlns:r="http://schemas.openxmlformats.org/officeDocument/2006/relationships" xmlns:p="http://schemas.openxmlformats.org/presentationml/2006/main" userDrawn="1">
+  <p:cSld name="Title and Content">
+    <p:spTree>
+      <p:nvGrpSpPr>
+        <p:cNvPr id="1" name=""/>
+        <p:cNvGrpSpPr/>
+        <p:nvPr/>
+      </p:nvGrpSpPr>
+      <p:grpSpPr>
+        <a:xfrm>
+          <a:off x="0" y="0"/>
+          <a:ext cx="0" cy="0"/>
+          <a:chOff x="0" y="0"/>
+          <a:chExt cx="0" cy="0"/>
+        </a:xfrm>
+      </p:grpSpPr>
+      <p:sp>
+        <p:nvSpPr>
+          <p:cNvPr id="2" name="Title 1"/>
+          <p:cNvSpPr>
+            <a:spLocks noGrp="1"/>
+          </p:cNvSpPr>
+          <p:nvPr>
+            <p:ph type="title"/>
+          </p:nvPr>
+        </p:nvSpPr>
+        <p:spPr/>
+        <p:txBody>
+          <a:bodyPr/>
+          <a:lstStyle>
+            <a:lvl1pPr>
+              <a:defRPr>
+                <a:latin typeface="微软雅黑" panose="020B0503020204020204" pitchFamily="34" charset="-122"/>
+                <a:ea typeface="微软雅黑" panose="020B0503020204020204" pitchFamily="34" charset="-122"/>
+              </a:defRPr>
+            </a:lvl1pPr>
+          </a:lstStyle>
+          <a:p>
+            <a:r>
+              <a:rPr lang="en-US" dirty="0"/>
+              <a:t>Click to edit Master title style</a:t>
+            </a:r>
+          </a:p>
+        </p:txBody>
+      </p:sp>
+      <p:sp>
+        <p:nvSpPr>
+          <p:cNvPr id="8" name="Content Placeholder 7"/>
+          <p:cNvSpPr>
+            <a:spLocks noGrp="1"/>
+          </p:cNvSpPr>
+          <p:nvPr>
+            <p:ph sz="quarter" idx="1"/>
+          </p:nvPr>
+        </p:nvSpPr>
+        <p:spPr>
+          <a:xfrm>
+            <a:off x="609600" y="1219200"/>
+            <a:ext cx="10972800" cy="4937760"/>
+          </a:xfrm>
+        </p:spPr>
+        <p:txBody>
+          <a:bodyPr/>
+          <a:lstStyle>
+            <a:lvl1pPr>
+              <a:defRPr>
+                <a:solidFill>
+                  <a:schemeClr val="accent2"/>
+                </a:solidFill>
+                <a:latin typeface="+mn-lt"/>
+                <a:ea typeface="华文楷体" panose="02010600040101010101" pitchFamily="2" charset="-122"/>
+              </a:defRPr>
+            </a:lvl1pPr>
+            <a:lvl2pPr>
+              <a:defRPr sz="2400">
+                <a:latin typeface="+mn-lt"/>
+                <a:ea typeface="华文楷体" panose="02010600040101010101" pitchFamily="2" charset="-122"/>
+              </a:defRPr>
+            </a:lvl2pPr>
+            <a:lvl3pPr>
+              <a:defRPr sz="2400">
+                <a:latin typeface="+mn-lt"/>
+                <a:ea typeface="华文楷体" panose="02010600040101010101" pitchFamily="2" charset="-122"/>
+              </a:defRPr>
+            </a:lvl3pPr>
+            <a:lvl4pPr>
+              <a:defRPr sz="1800">
+                <a:latin typeface="+mn-lt"/>
+                <a:ea typeface="华文楷体" panose="02010600040101010101" pitchFamily="2" charset="-122"/>
+              </a:defRPr>
+            </a:lvl4pPr>
+            <a:lvl5pPr>
+              <a:defRPr sz="1600">
+                <a:latin typeface="+mn-lt"/>
+                <a:ea typeface="华文楷体" panose="02010600040101010101" pitchFamily="2" charset="-122"/>
+              </a:defRPr>
+            </a:lvl5pPr>
+          </a:lstStyle>
+          <a:p>
+            <a:pPr lvl="0"/>
+            <a:r>
+              <a:rPr lang="en-US" dirty="0"/>
+              <a:t>Click to edit Master text styles</a:t>
+            </a:r>
+          </a:p>
+          <a:p>
+            <a:pPr lvl="1"/>
+            <a:r>
+              <a:rPr lang="en-US" dirty="0"/>
+              <a:t>Second level</a:t>
+            </a:r>
+          </a:p>
+          <a:p>
+            <a:pPr lvl="2"/>
+            <a:r>
+              <a:rPr lang="en-US" dirty="0"/>
+              <a:t>Third level</a:t>
+            </a:r>
+          </a:p>
+          <a:p>
+            <a:pPr lvl="3"/>
+            <a:r>
+              <a:rPr lang="en-US" dirty="0"/>
+              <a:t>Fourth level</a:t>
+            </a:r>
+          </a:p>
+          <a:p>
+            <a:pPr lvl="4"/>
+            <a:r>
+              <a:rPr lang="en-US" dirty="0"/>
+              <a:t>Fifth level</a:t>
+            </a:r>
+          </a:p>
+        </p:txBody>
+      </p:sp>
+    </p:spTree>
+    <p:extLst>
+      <p:ext uri="{BB962C8B-B14F-4D97-AF65-F5344CB8AC3E}">
+        <p14:creationId xmlns:p14="http://schemas.microsoft.com/office/powerpoint/2010/main" val="2419070164"/>
+      </p:ext>
+    </p:extLst>
+  </p:cSld>
+  <p:clrMapOvr>
+    <a:masterClrMapping/>
+  </p:clrMapOvr>
 </p:sldLayout>
 </file>
 
@@ -1588,16 +1779,58 @@
           <a:chExt cx="0" cy="0"/>
         </a:xfrm>
       </p:grpSpPr>
+      <p:pic>
+        <p:nvPicPr>
+          <p:cNvPr id="12" name="图片 11">
+            <a:extLst>
+              <a:ext uri="{FF2B5EF4-FFF2-40B4-BE49-F238E27FC236}">
+                <a16:creationId xmlns:a16="http://schemas.microsoft.com/office/drawing/2014/main" id="{22BBD6FA-A54A-485F-87D9-C9652F586CB9}"/>
+              </a:ext>
+            </a:extLst>
+          </p:cNvPr>
+          <p:cNvPicPr>
+            <a:picLocks noChangeAspect="1"/>
+          </p:cNvPicPr>
+          <p:nvPr/>
+        </p:nvPicPr>
+        <p:blipFill>
+          <a:blip r:embed="rId2">
+            <a:extLst>
+              <a:ext uri="{28A0092B-C50C-407E-A947-70E740481C1C}">
+                <a14:useLocalDpi xmlns:a14="http://schemas.microsoft.com/office/drawing/2010/main" val="0"/>
+              </a:ext>
+            </a:extLst>
+          </a:blip>
+          <a:stretch>
+            <a:fillRect/>
+          </a:stretch>
+        </p:blipFill>
+        <p:spPr>
+          <a:xfrm>
+            <a:off x="359807" y="1524000"/>
+            <a:ext cx="6117446" cy="4684464"/>
+          </a:xfrm>
+          <a:prstGeom prst="rect">
+            <a:avLst/>
+          </a:prstGeom>
+        </p:spPr>
+      </p:pic>
       <p:sp>
         <p:nvSpPr>
-          <p:cNvPr id="4" name="Rectangle 10"/>
+          <p:cNvPr id="16" name="Rectangle 10">
+            <a:extLst>
+              <a:ext uri="{FF2B5EF4-FFF2-40B4-BE49-F238E27FC236}">
+                <a16:creationId xmlns:a16="http://schemas.microsoft.com/office/drawing/2014/main" id="{80B6937C-32A7-4CC7-BE4A-AB7A564C7186}"/>
+              </a:ext>
+            </a:extLst>
+          </p:cNvPr>
           <p:cNvSpPr/>
           <p:nvPr/>
         </p:nvSpPr>
         <p:spPr>
           <a:xfrm>
-            <a:off x="999067" y="2438405"/>
-            <a:ext cx="9753600" cy="1956197"/>
+            <a:off x="4038600" y="3657600"/>
+            <a:ext cx="6637866" cy="1654481"/>
           </a:xfrm>
           <a:prstGeom prst="rect">
             <a:avLst/>
@@ -1739,20 +1972,26 @@
       </p:sp>
       <p:sp>
         <p:nvSpPr>
-          <p:cNvPr id="6" name="Rectangle 14"/>
+          <p:cNvPr id="17" name="Rectangle 14">
+            <a:extLst>
+              <a:ext uri="{FF2B5EF4-FFF2-40B4-BE49-F238E27FC236}">
+                <a16:creationId xmlns:a16="http://schemas.microsoft.com/office/drawing/2014/main" id="{EDC16F34-8BA1-4A4E-B0D4-81397E1E7CD0}"/>
+              </a:ext>
+            </a:extLst>
+          </p:cNvPr>
           <p:cNvSpPr/>
           <p:nvPr/>
         </p:nvSpPr>
         <p:spPr>
           <a:xfrm>
-            <a:off x="999067" y="2438405"/>
-            <a:ext cx="304800" cy="1956197"/>
+            <a:off x="4038600" y="3657600"/>
+            <a:ext cx="304800" cy="1654481"/>
           </a:xfrm>
           <a:prstGeom prst="rect">
             <a:avLst/>
           </a:prstGeom>
           <a:solidFill>
-            <a:schemeClr val="accent1"/>
+            <a:srgbClr val="EB641B"/>
           </a:solidFill>
           <a:ln w="6350" cap="rnd" cmpd="sng" algn="ctr">
             <a:noFill/>
@@ -1888,10 +2127,10 @@
       </p:sp>
       <p:sp>
         <p:nvSpPr>
-          <p:cNvPr id="5" name="Title 7">
+          <p:cNvPr id="18" name="Title 7">
             <a:extLst>
               <a:ext uri="{FF2B5EF4-FFF2-40B4-BE49-F238E27FC236}">
-                <a16:creationId xmlns:a16="http://schemas.microsoft.com/office/drawing/2014/main" id="{BFA67C34-BF26-437B-A691-AD2670BC144D}"/>
+                <a16:creationId xmlns:a16="http://schemas.microsoft.com/office/drawing/2014/main" id="{66A552C8-61F4-43FC-A974-9DE54534BA38}"/>
               </a:ext>
             </a:extLst>
           </p:cNvPr>
@@ -1904,15 +2143,15 @@
         </p:nvSpPr>
         <p:spPr>
           <a:xfrm>
-            <a:off x="1418167" y="2676528"/>
-            <a:ext cx="9144000" cy="1514475"/>
+            <a:off x="4343400" y="3827594"/>
+            <a:ext cx="6142566" cy="1280888"/>
           </a:xfrm>
         </p:spPr>
         <p:txBody>
           <a:bodyPr anchor="ctr"/>
           <a:lstStyle>
             <a:lvl1pPr algn="ctr">
-              <a:defRPr sz="2700" baseline="0">
+              <a:defRPr sz="2800" baseline="0">
                 <a:solidFill>
                   <a:schemeClr val="tx1"/>
                 </a:solidFill>
@@ -1933,7 +2172,7 @@
     </p:spTree>
     <p:extLst>
       <p:ext uri="{BB962C8B-B14F-4D97-AF65-F5344CB8AC3E}">
-        <p14:creationId xmlns:p14="http://schemas.microsoft.com/office/powerpoint/2010/main" val="1303166349"/>
+        <p14:creationId xmlns:p14="http://schemas.microsoft.com/office/powerpoint/2010/main" val="547241460"/>
       </p:ext>
     </p:extLst>
   </p:cSld>
@@ -2006,8 +2245,8 @@
         </p:nvSpPr>
         <p:spPr bwMode="auto">
           <a:xfrm>
-            <a:off x="609600" y="1066800"/>
-            <a:ext cx="10972800" cy="5062538"/>
+            <a:off x="609600" y="990600"/>
+            <a:ext cx="10972800" cy="5410200"/>
           </a:xfrm>
           <a:prstGeom prst="rect">
             <a:avLst/>
@@ -2090,19 +2329,12 @@
               <a:t>第三级</a:t>
             </a:r>
           </a:p>
-          <a:p>
-            <a:pPr lvl="3"/>
-            <a:r>
-              <a:rPr lang="zh-CN" altLang="en-US"/>
-              <a:t>第四级</a:t>
-            </a:r>
-          </a:p>
         </p:txBody>
       </p:sp>
     </p:spTree>
     <p:extLst>
       <p:ext uri="{BB962C8B-B14F-4D97-AF65-F5344CB8AC3E}">
-        <p14:creationId xmlns:p14="http://schemas.microsoft.com/office/powerpoint/2010/main" val="1744879995"/>
+        <p14:creationId xmlns:p14="http://schemas.microsoft.com/office/powerpoint/2010/main" val="3850746624"/>
       </p:ext>
     </p:extLst>
   </p:cSld>
@@ -2160,7 +2392,7 @@
     </p:spTree>
     <p:extLst>
       <p:ext uri="{BB962C8B-B14F-4D97-AF65-F5344CB8AC3E}">
-        <p14:creationId xmlns:p14="http://schemas.microsoft.com/office/powerpoint/2010/main" val="2910444320"/>
+        <p14:creationId xmlns:p14="http://schemas.microsoft.com/office/powerpoint/2010/main" val="1420193188"/>
       </p:ext>
     </p:extLst>
   </p:cSld>
@@ -2173,6 +2405,536 @@
 <file path=ppt/slideLayouts/slideLayout5.xml><?xml version="1.0" encoding="utf-8"?>
 <p:sldLayout xmlns:a="http://schemas.openxmlformats.org/drawingml/2006/main" xmlns:r="http://schemas.openxmlformats.org/officeDocument/2006/relationships" xmlns:p="http://schemas.openxmlformats.org/presentationml/2006/main" preserve="1">
   <p:cSld name="两栏内容">
+    <p:spTree>
+      <p:nvGrpSpPr>
+        <p:cNvPr id="1" name=""/>
+        <p:cNvGrpSpPr/>
+        <p:nvPr/>
+      </p:nvGrpSpPr>
+      <p:grpSpPr>
+        <a:xfrm>
+          <a:off x="0" y="0"/>
+          <a:ext cx="0" cy="0"/>
+          <a:chOff x="0" y="0"/>
+          <a:chExt cx="0" cy="0"/>
+        </a:xfrm>
+      </p:grpSpPr>
+      <p:sp>
+        <p:nvSpPr>
+          <p:cNvPr id="7" name="Text Placeholder 12">
+            <a:extLst>
+              <a:ext uri="{FF2B5EF4-FFF2-40B4-BE49-F238E27FC236}">
+                <a16:creationId xmlns:a16="http://schemas.microsoft.com/office/drawing/2014/main" id="{82554C09-2158-4702-9B4A-E0C68913C689}"/>
+              </a:ext>
+            </a:extLst>
+          </p:cNvPr>
+          <p:cNvSpPr>
+            <a:spLocks noGrp="1"/>
+          </p:cNvSpPr>
+          <p:nvPr>
+            <p:ph idx="1"/>
+          </p:nvPr>
+        </p:nvSpPr>
+        <p:spPr bwMode="auto">
+          <a:xfrm>
+            <a:off x="609600" y="1066799"/>
+            <a:ext cx="5486400" cy="5181599"/>
+          </a:xfrm>
+          <a:prstGeom prst="rect">
+            <a:avLst/>
+          </a:prstGeom>
+          <a:noFill/>
+          <a:ln>
+            <a:noFill/>
+          </a:ln>
+          <a:extLst>
+            <a:ext uri="{909E8E84-426E-40DD-AFC4-6F175D3DCCD1}">
+              <a14:hiddenFill xmlns:a14="http://schemas.microsoft.com/office/drawing/2010/main">
+                <a:solidFill>
+                  <a:srgbClr val="FFFFFF"/>
+                </a:solidFill>
+              </a14:hiddenFill>
+            </a:ext>
+            <a:ext uri="{91240B29-F687-4F45-9708-019B960494DF}">
+              <a14:hiddenLine xmlns:a14="http://schemas.microsoft.com/office/drawing/2010/main" w="9525">
+                <a:solidFill>
+                  <a:srgbClr val="000000"/>
+                </a:solidFill>
+                <a:miter lim="800000"/>
+                <a:headEnd/>
+                <a:tailEnd/>
+              </a14:hiddenLine>
+            </a:ext>
+          </a:extLst>
+        </p:spPr>
+        <p:txBody>
+          <a:bodyPr vert="horz" wrap="square" lIns="91440" tIns="45720" rIns="91440" bIns="45720" numCol="1" anchor="t" anchorCtr="0" compatLnSpc="1">
+            <a:prstTxWarp prst="textNoShape">
+              <a:avLst/>
+            </a:prstTxWarp>
+          </a:bodyPr>
+          <a:lstStyle>
+            <a:lvl1pPr>
+              <a:defRPr baseline="0">
+                <a:latin typeface="+mn-lt"/>
+              </a:defRPr>
+            </a:lvl1pPr>
+            <a:lvl2pPr>
+              <a:defRPr baseline="0">
+                <a:latin typeface="+mn-lt"/>
+              </a:defRPr>
+            </a:lvl2pPr>
+            <a:lvl3pPr>
+              <a:defRPr baseline="0">
+                <a:latin typeface="+mn-lt"/>
+              </a:defRPr>
+            </a:lvl3pPr>
+            <a:lvl4pPr>
+              <a:defRPr baseline="0">
+                <a:latin typeface="+mn-lt"/>
+              </a:defRPr>
+            </a:lvl4pPr>
+            <a:lvl5pPr>
+              <a:defRPr baseline="0">
+                <a:latin typeface="+mn-lt"/>
+              </a:defRPr>
+            </a:lvl5pPr>
+          </a:lstStyle>
+          <a:p>
+            <a:pPr lvl="0"/>
+            <a:r>
+              <a:rPr lang="zh-CN" altLang="en-US"/>
+              <a:t>编辑母版文本样式</a:t>
+            </a:r>
+          </a:p>
+          <a:p>
+            <a:pPr lvl="1"/>
+            <a:r>
+              <a:rPr lang="zh-CN" altLang="en-US"/>
+              <a:t>第二级</a:t>
+            </a:r>
+          </a:p>
+          <a:p>
+            <a:pPr lvl="2"/>
+            <a:r>
+              <a:rPr lang="zh-CN" altLang="en-US"/>
+              <a:t>第三级</a:t>
+            </a:r>
+          </a:p>
+          <a:p>
+            <a:pPr lvl="3"/>
+            <a:r>
+              <a:rPr lang="zh-CN" altLang="en-US"/>
+              <a:t>第四级</a:t>
+            </a:r>
+          </a:p>
+        </p:txBody>
+      </p:sp>
+      <p:sp>
+        <p:nvSpPr>
+          <p:cNvPr id="8" name="Text Placeholder 12">
+            <a:extLst>
+              <a:ext uri="{FF2B5EF4-FFF2-40B4-BE49-F238E27FC236}">
+                <a16:creationId xmlns:a16="http://schemas.microsoft.com/office/drawing/2014/main" id="{6DDB8618-EAD8-4F6C-91B0-8D6B79685A8E}"/>
+              </a:ext>
+            </a:extLst>
+          </p:cNvPr>
+          <p:cNvSpPr>
+            <a:spLocks noGrp="1"/>
+          </p:cNvSpPr>
+          <p:nvPr>
+            <p:ph idx="10"/>
+          </p:nvPr>
+        </p:nvSpPr>
+        <p:spPr bwMode="auto">
+          <a:xfrm>
+            <a:off x="6248400" y="1066800"/>
+            <a:ext cx="5334000" cy="5181598"/>
+          </a:xfrm>
+          <a:prstGeom prst="rect">
+            <a:avLst/>
+          </a:prstGeom>
+          <a:noFill/>
+          <a:ln>
+            <a:noFill/>
+          </a:ln>
+          <a:extLst>
+            <a:ext uri="{909E8E84-426E-40DD-AFC4-6F175D3DCCD1}">
+              <a14:hiddenFill xmlns:a14="http://schemas.microsoft.com/office/drawing/2010/main">
+                <a:solidFill>
+                  <a:srgbClr val="FFFFFF"/>
+                </a:solidFill>
+              </a14:hiddenFill>
+            </a:ext>
+            <a:ext uri="{91240B29-F687-4F45-9708-019B960494DF}">
+              <a14:hiddenLine xmlns:a14="http://schemas.microsoft.com/office/drawing/2010/main" w="9525">
+                <a:solidFill>
+                  <a:srgbClr val="000000"/>
+                </a:solidFill>
+                <a:miter lim="800000"/>
+                <a:headEnd/>
+                <a:tailEnd/>
+              </a14:hiddenLine>
+            </a:ext>
+          </a:extLst>
+        </p:spPr>
+        <p:txBody>
+          <a:bodyPr vert="horz" wrap="square" lIns="91440" tIns="45720" rIns="91440" bIns="45720" numCol="1" anchor="t" anchorCtr="0" compatLnSpc="1">
+            <a:prstTxWarp prst="textNoShape">
+              <a:avLst/>
+            </a:prstTxWarp>
+          </a:bodyPr>
+          <a:lstStyle/>
+          <a:p>
+            <a:pPr lvl="0"/>
+            <a:r>
+              <a:rPr lang="zh-CN" altLang="en-US"/>
+              <a:t>编辑母版文本样式</a:t>
+            </a:r>
+          </a:p>
+          <a:p>
+            <a:pPr lvl="1"/>
+            <a:r>
+              <a:rPr lang="zh-CN" altLang="en-US"/>
+              <a:t>第二级</a:t>
+            </a:r>
+          </a:p>
+          <a:p>
+            <a:pPr lvl="2"/>
+            <a:r>
+              <a:rPr lang="zh-CN" altLang="en-US"/>
+              <a:t>第三级</a:t>
+            </a:r>
+          </a:p>
+          <a:p>
+            <a:pPr lvl="3"/>
+            <a:r>
+              <a:rPr lang="zh-CN" altLang="en-US"/>
+              <a:t>第四级</a:t>
+            </a:r>
+          </a:p>
+        </p:txBody>
+      </p:sp>
+      <p:sp>
+        <p:nvSpPr>
+          <p:cNvPr id="3" name="标题 2">
+            <a:extLst>
+              <a:ext uri="{FF2B5EF4-FFF2-40B4-BE49-F238E27FC236}">
+                <a16:creationId xmlns:a16="http://schemas.microsoft.com/office/drawing/2014/main" id="{63866493-C33C-47CF-99CE-6E19EE056D71}"/>
+              </a:ext>
+            </a:extLst>
+          </p:cNvPr>
+          <p:cNvSpPr>
+            <a:spLocks noGrp="1"/>
+          </p:cNvSpPr>
+          <p:nvPr>
+            <p:ph type="title"/>
+          </p:nvPr>
+        </p:nvSpPr>
+        <p:spPr/>
+        <p:txBody>
+          <a:bodyPr/>
+          <a:lstStyle/>
+          <a:p>
+            <a:r>
+              <a:rPr lang="zh-CN" altLang="en-US"/>
+              <a:t>单击此处编辑母版标题样式</a:t>
+            </a:r>
+            <a:endParaRPr lang="zh-CN" altLang="en-US" dirty="0"/>
+          </a:p>
+        </p:txBody>
+      </p:sp>
+      <p:cxnSp>
+        <p:nvCxnSpPr>
+          <p:cNvPr id="6" name="直接连接符 5">
+            <a:extLst>
+              <a:ext uri="{FF2B5EF4-FFF2-40B4-BE49-F238E27FC236}">
+                <a16:creationId xmlns:a16="http://schemas.microsoft.com/office/drawing/2014/main" id="{8BBF6941-949E-4A04-9A27-6C5758225CF1}"/>
+              </a:ext>
+            </a:extLst>
+          </p:cNvPr>
+          <p:cNvCxnSpPr/>
+          <p:nvPr/>
+        </p:nvCxnSpPr>
+        <p:spPr>
+          <a:xfrm>
+            <a:off x="6172200" y="1066800"/>
+            <a:ext cx="0" cy="5181600"/>
+          </a:xfrm>
+          <a:prstGeom prst="line">
+            <a:avLst/>
+          </a:prstGeom>
+        </p:spPr>
+        <p:style>
+          <a:lnRef idx="1">
+            <a:schemeClr val="accent1"/>
+          </a:lnRef>
+          <a:fillRef idx="0">
+            <a:schemeClr val="accent1"/>
+          </a:fillRef>
+          <a:effectRef idx="0">
+            <a:schemeClr val="accent1"/>
+          </a:effectRef>
+          <a:fontRef idx="minor">
+            <a:schemeClr val="tx1"/>
+          </a:fontRef>
+        </p:style>
+      </p:cxnSp>
+    </p:spTree>
+    <p:extLst>
+      <p:ext uri="{BB962C8B-B14F-4D97-AF65-F5344CB8AC3E}">
+        <p14:creationId xmlns:p14="http://schemas.microsoft.com/office/powerpoint/2010/main" val="1741445771"/>
+      </p:ext>
+    </p:extLst>
+  </p:cSld>
+  <p:clrMapOvr>
+    <a:masterClrMapping/>
+  </p:clrMapOvr>
+  <p:hf hdr="0" ftr="0" dt="0"/>
+</p:sldLayout>
+</file>
+
+<file path=ppt/slideLayouts/slideLayout6.xml><?xml version="1.0" encoding="utf-8"?>
+<p:sldLayout xmlns:a="http://schemas.openxmlformats.org/drawingml/2006/main" xmlns:r="http://schemas.openxmlformats.org/officeDocument/2006/relationships" xmlns:p="http://schemas.openxmlformats.org/presentationml/2006/main" preserve="1">
+  <p:cSld name="Two Content Text_IMG">
+    <p:spTree>
+      <p:nvGrpSpPr>
+        <p:cNvPr id="1" name=""/>
+        <p:cNvGrpSpPr/>
+        <p:nvPr/>
+      </p:nvGrpSpPr>
+      <p:grpSpPr>
+        <a:xfrm>
+          <a:off x="0" y="0"/>
+          <a:ext cx="0" cy="0"/>
+          <a:chOff x="0" y="0"/>
+          <a:chExt cx="0" cy="0"/>
+        </a:xfrm>
+      </p:grpSpPr>
+      <p:sp>
+        <p:nvSpPr>
+          <p:cNvPr id="7" name="Text Placeholder 12">
+            <a:extLst>
+              <a:ext uri="{FF2B5EF4-FFF2-40B4-BE49-F238E27FC236}">
+                <a16:creationId xmlns:a16="http://schemas.microsoft.com/office/drawing/2014/main" id="{82554C09-2158-4702-9B4A-E0C68913C689}"/>
+              </a:ext>
+            </a:extLst>
+          </p:cNvPr>
+          <p:cNvSpPr>
+            <a:spLocks noGrp="1"/>
+          </p:cNvSpPr>
+          <p:nvPr>
+            <p:ph idx="1"/>
+          </p:nvPr>
+        </p:nvSpPr>
+        <p:spPr bwMode="auto">
+          <a:xfrm>
+            <a:off x="609599" y="990600"/>
+            <a:ext cx="5885794" cy="5410200"/>
+          </a:xfrm>
+          <a:prstGeom prst="rect">
+            <a:avLst/>
+          </a:prstGeom>
+          <a:noFill/>
+          <a:ln>
+            <a:noFill/>
+          </a:ln>
+          <a:extLst>
+            <a:ext uri="{909E8E84-426E-40DD-AFC4-6F175D3DCCD1}">
+              <a14:hiddenFill xmlns:a14="http://schemas.microsoft.com/office/drawing/2010/main">
+                <a:solidFill>
+                  <a:srgbClr val="FFFFFF"/>
+                </a:solidFill>
+              </a14:hiddenFill>
+            </a:ext>
+            <a:ext uri="{91240B29-F687-4F45-9708-019B960494DF}">
+              <a14:hiddenLine xmlns:a14="http://schemas.microsoft.com/office/drawing/2010/main" w="9525">
+                <a:solidFill>
+                  <a:srgbClr val="000000"/>
+                </a:solidFill>
+                <a:miter lim="800000"/>
+                <a:headEnd/>
+                <a:tailEnd/>
+              </a14:hiddenLine>
+            </a:ext>
+          </a:extLst>
+        </p:spPr>
+        <p:txBody>
+          <a:bodyPr vert="horz" wrap="square" lIns="91440" tIns="45720" rIns="91440" bIns="45720" numCol="1" anchor="t" anchorCtr="0" compatLnSpc="1">
+            <a:prstTxWarp prst="textNoShape">
+              <a:avLst/>
+            </a:prstTxWarp>
+          </a:bodyPr>
+          <a:lstStyle>
+            <a:lvl1pPr>
+              <a:defRPr baseline="0">
+                <a:latin typeface="+mn-lt"/>
+              </a:defRPr>
+            </a:lvl1pPr>
+            <a:lvl2pPr>
+              <a:defRPr baseline="0">
+                <a:latin typeface="+mn-lt"/>
+              </a:defRPr>
+            </a:lvl2pPr>
+            <a:lvl3pPr>
+              <a:defRPr baseline="0">
+                <a:latin typeface="+mn-lt"/>
+              </a:defRPr>
+            </a:lvl3pPr>
+            <a:lvl4pPr>
+              <a:defRPr baseline="0">
+                <a:latin typeface="+mn-lt"/>
+              </a:defRPr>
+            </a:lvl4pPr>
+            <a:lvl5pPr>
+              <a:defRPr baseline="0">
+                <a:latin typeface="+mn-lt"/>
+              </a:defRPr>
+            </a:lvl5pPr>
+          </a:lstStyle>
+          <a:p>
+            <a:pPr lvl="0"/>
+            <a:r>
+              <a:rPr lang="zh-CN" altLang="en-US"/>
+              <a:t>编辑母版文本样式</a:t>
+            </a:r>
+          </a:p>
+          <a:p>
+            <a:pPr lvl="1"/>
+            <a:r>
+              <a:rPr lang="zh-CN" altLang="en-US"/>
+              <a:t>第二级</a:t>
+            </a:r>
+          </a:p>
+          <a:p>
+            <a:pPr lvl="2"/>
+            <a:r>
+              <a:rPr lang="zh-CN" altLang="en-US"/>
+              <a:t>第三级</a:t>
+            </a:r>
+          </a:p>
+          <a:p>
+            <a:pPr lvl="3"/>
+            <a:r>
+              <a:rPr lang="zh-CN" altLang="en-US"/>
+              <a:t>第四级</a:t>
+            </a:r>
+          </a:p>
+        </p:txBody>
+      </p:sp>
+      <p:sp>
+        <p:nvSpPr>
+          <p:cNvPr id="3" name="标题 2">
+            <a:extLst>
+              <a:ext uri="{FF2B5EF4-FFF2-40B4-BE49-F238E27FC236}">
+                <a16:creationId xmlns:a16="http://schemas.microsoft.com/office/drawing/2014/main" id="{63866493-C33C-47CF-99CE-6E19EE056D71}"/>
+              </a:ext>
+            </a:extLst>
+          </p:cNvPr>
+          <p:cNvSpPr>
+            <a:spLocks noGrp="1"/>
+          </p:cNvSpPr>
+          <p:nvPr>
+            <p:ph type="title"/>
+          </p:nvPr>
+        </p:nvSpPr>
+        <p:spPr/>
+        <p:txBody>
+          <a:bodyPr/>
+          <a:lstStyle/>
+          <a:p>
+            <a:r>
+              <a:rPr lang="zh-CN" altLang="en-US"/>
+              <a:t>单击此处编辑母版标题样式</a:t>
+            </a:r>
+          </a:p>
+        </p:txBody>
+      </p:sp>
+      <p:cxnSp>
+        <p:nvCxnSpPr>
+          <p:cNvPr id="4" name="直接连接符 3">
+            <a:extLst>
+              <a:ext uri="{FF2B5EF4-FFF2-40B4-BE49-F238E27FC236}">
+                <a16:creationId xmlns:a16="http://schemas.microsoft.com/office/drawing/2014/main" id="{F4E9E31A-5EEF-4165-B7AF-A4322917E67F}"/>
+              </a:ext>
+            </a:extLst>
+          </p:cNvPr>
+          <p:cNvCxnSpPr>
+            <a:cxnSpLocks/>
+          </p:cNvCxnSpPr>
+          <p:nvPr/>
+        </p:nvCxnSpPr>
+        <p:spPr>
+          <a:xfrm>
+            <a:off x="6553200" y="1066800"/>
+            <a:ext cx="0" cy="5334000"/>
+          </a:xfrm>
+          <a:prstGeom prst="line">
+            <a:avLst/>
+          </a:prstGeom>
+        </p:spPr>
+        <p:style>
+          <a:lnRef idx="1">
+            <a:schemeClr val="accent1"/>
+          </a:lnRef>
+          <a:fillRef idx="0">
+            <a:schemeClr val="accent1"/>
+          </a:fillRef>
+          <a:effectRef idx="0">
+            <a:schemeClr val="accent1"/>
+          </a:effectRef>
+          <a:fontRef idx="minor">
+            <a:schemeClr val="tx1"/>
+          </a:fontRef>
+        </p:style>
+      </p:cxnSp>
+    </p:spTree>
+    <p:extLst>
+      <p:ext uri="{BB962C8B-B14F-4D97-AF65-F5344CB8AC3E}">
+        <p14:creationId xmlns:p14="http://schemas.microsoft.com/office/powerpoint/2010/main" val="2572990422"/>
+      </p:ext>
+    </p:extLst>
+  </p:cSld>
+  <p:clrMapOvr>
+    <a:masterClrMapping/>
+  </p:clrMapOvr>
+  <p:hf hdr="0" ftr="0" dt="0"/>
+</p:sldLayout>
+</file>
+
+<file path=ppt/slideLayouts/slideLayout7.xml><?xml version="1.0" encoding="utf-8"?>
+<p:sldLayout xmlns:a="http://schemas.openxmlformats.org/drawingml/2006/main" xmlns:r="http://schemas.openxmlformats.org/officeDocument/2006/relationships" xmlns:p="http://schemas.openxmlformats.org/presentationml/2006/main" showMasterSp="0" preserve="1">
+  <p:cSld name="empty">
+    <p:spTree>
+      <p:nvGrpSpPr>
+        <p:cNvPr id="1" name=""/>
+        <p:cNvGrpSpPr/>
+        <p:nvPr/>
+      </p:nvGrpSpPr>
+      <p:grpSpPr>
+        <a:xfrm>
+          <a:off x="0" y="0"/>
+          <a:ext cx="0" cy="0"/>
+          <a:chOff x="0" y="0"/>
+          <a:chExt cx="0" cy="0"/>
+        </a:xfrm>
+      </p:grpSpPr>
+    </p:spTree>
+    <p:extLst>
+      <p:ext uri="{BB962C8B-B14F-4D97-AF65-F5344CB8AC3E}">
+        <p14:creationId xmlns:p14="http://schemas.microsoft.com/office/powerpoint/2010/main" val="1648209874"/>
+      </p:ext>
+    </p:extLst>
+  </p:cSld>
+  <p:clrMapOvr>
+    <a:masterClrMapping/>
+  </p:clrMapOvr>
+</p:sldLayout>
+</file>
+
+<file path=ppt/slideLayouts/slideLayout8.xml><?xml version="1.0" encoding="utf-8"?>
+<p:sldLayout xmlns:a="http://schemas.openxmlformats.org/drawingml/2006/main" xmlns:r="http://schemas.openxmlformats.org/officeDocument/2006/relationships" xmlns:p="http://schemas.openxmlformats.org/presentationml/2006/main">
+  <p:cSld name="两栏内容-图">
     <p:spTree>
       <p:nvGrpSpPr>
         <p:cNvPr id="1" name=""/>
@@ -2300,91 +3062,6 @@
       </p:sp>
       <p:sp>
         <p:nvSpPr>
-          <p:cNvPr id="8" name="Text Placeholder 12">
-            <a:extLst>
-              <a:ext uri="{FF2B5EF4-FFF2-40B4-BE49-F238E27FC236}">
-                <a16:creationId xmlns:a16="http://schemas.microsoft.com/office/drawing/2014/main" id="{6DDB8618-EAD8-4F6C-91B0-8D6B79685A8E}"/>
-              </a:ext>
-            </a:extLst>
-          </p:cNvPr>
-          <p:cNvSpPr>
-            <a:spLocks noGrp="1"/>
-          </p:cNvSpPr>
-          <p:nvPr>
-            <p:ph idx="10"/>
-          </p:nvPr>
-        </p:nvSpPr>
-        <p:spPr bwMode="auto">
-          <a:xfrm>
-            <a:off x="6248400" y="1066800"/>
-            <a:ext cx="5334000" cy="5062538"/>
-          </a:xfrm>
-          <a:prstGeom prst="rect">
-            <a:avLst/>
-          </a:prstGeom>
-          <a:noFill/>
-          <a:ln>
-            <a:noFill/>
-          </a:ln>
-          <a:extLst>
-            <a:ext uri="{909E8E84-426E-40DD-AFC4-6F175D3DCCD1}">
-              <a14:hiddenFill xmlns:a14="http://schemas.microsoft.com/office/drawing/2010/main">
-                <a:solidFill>
-                  <a:srgbClr val="FFFFFF"/>
-                </a:solidFill>
-              </a14:hiddenFill>
-            </a:ext>
-            <a:ext uri="{91240B29-F687-4F45-9708-019B960494DF}">
-              <a14:hiddenLine xmlns:a14="http://schemas.microsoft.com/office/drawing/2010/main" w="9525">
-                <a:solidFill>
-                  <a:srgbClr val="000000"/>
-                </a:solidFill>
-                <a:miter lim="800000"/>
-                <a:headEnd/>
-                <a:tailEnd/>
-              </a14:hiddenLine>
-            </a:ext>
-          </a:extLst>
-        </p:spPr>
-        <p:txBody>
-          <a:bodyPr vert="horz" wrap="square" lIns="91440" tIns="45720" rIns="91440" bIns="45720" numCol="1" anchor="t" anchorCtr="0" compatLnSpc="1">
-            <a:prstTxWarp prst="textNoShape">
-              <a:avLst/>
-            </a:prstTxWarp>
-          </a:bodyPr>
-          <a:lstStyle/>
-          <a:p>
-            <a:pPr lvl="0"/>
-            <a:r>
-              <a:rPr lang="zh-CN" altLang="en-US"/>
-              <a:t>编辑母版文本样式</a:t>
-            </a:r>
-          </a:p>
-          <a:p>
-            <a:pPr lvl="1"/>
-            <a:r>
-              <a:rPr lang="zh-CN" altLang="en-US"/>
-              <a:t>第二级</a:t>
-            </a:r>
-          </a:p>
-          <a:p>
-            <a:pPr lvl="2"/>
-            <a:r>
-              <a:rPr lang="zh-CN" altLang="en-US"/>
-              <a:t>第三级</a:t>
-            </a:r>
-          </a:p>
-          <a:p>
-            <a:pPr lvl="3"/>
-            <a:r>
-              <a:rPr lang="zh-CN" altLang="en-US"/>
-              <a:t>第四级</a:t>
-            </a:r>
-          </a:p>
-        </p:txBody>
-      </p:sp>
-      <p:sp>
-        <p:nvSpPr>
           <p:cNvPr id="3" name="标题 2">
             <a:extLst>
               <a:ext uri="{FF2B5EF4-FFF2-40B4-BE49-F238E27FC236}">
@@ -2411,46 +3088,10 @@
           </a:p>
         </p:txBody>
       </p:sp>
-      <p:cxnSp>
-        <p:nvCxnSpPr>
-          <p:cNvPr id="6" name="直接连接符 5">
-            <a:extLst>
-              <a:ext uri="{FF2B5EF4-FFF2-40B4-BE49-F238E27FC236}">
-                <a16:creationId xmlns:a16="http://schemas.microsoft.com/office/drawing/2014/main" id="{8BBF6941-949E-4A04-9A27-6C5758225CF1}"/>
-              </a:ext>
-            </a:extLst>
-          </p:cNvPr>
-          <p:cNvCxnSpPr/>
-          <p:nvPr/>
-        </p:nvCxnSpPr>
-        <p:spPr>
-          <a:xfrm>
-            <a:off x="6172200" y="1066800"/>
-            <a:ext cx="0" cy="5181600"/>
-          </a:xfrm>
-          <a:prstGeom prst="line">
-            <a:avLst/>
-          </a:prstGeom>
-        </p:spPr>
-        <p:style>
-          <a:lnRef idx="1">
-            <a:schemeClr val="accent1"/>
-          </a:lnRef>
-          <a:fillRef idx="0">
-            <a:schemeClr val="accent1"/>
-          </a:fillRef>
-          <a:effectRef idx="0">
-            <a:schemeClr val="accent1"/>
-          </a:effectRef>
-          <a:fontRef idx="minor">
-            <a:schemeClr val="tx1"/>
-          </a:fontRef>
-        </p:style>
-      </p:cxnSp>
     </p:spTree>
     <p:extLst>
       <p:ext uri="{BB962C8B-B14F-4D97-AF65-F5344CB8AC3E}">
-        <p14:creationId xmlns:p14="http://schemas.microsoft.com/office/powerpoint/2010/main" val="3339305044"/>
+        <p14:creationId xmlns:p14="http://schemas.microsoft.com/office/powerpoint/2010/main" val="232130241"/>
       </p:ext>
     </p:extLst>
   </p:cSld>
@@ -2461,243 +3102,7 @@
 </p:sldLayout>
 </file>
 
-<file path=ppt/slideLayouts/slideLayout6.xml><?xml version="1.0" encoding="utf-8"?>
-<p:sldLayout xmlns:a="http://schemas.openxmlformats.org/drawingml/2006/main" xmlns:r="http://schemas.openxmlformats.org/officeDocument/2006/relationships" xmlns:p="http://schemas.openxmlformats.org/presentationml/2006/main" preserve="1">
-  <p:cSld name="两栏内容-图">
-    <p:spTree>
-      <p:nvGrpSpPr>
-        <p:cNvPr id="1" name=""/>
-        <p:cNvGrpSpPr/>
-        <p:nvPr/>
-      </p:nvGrpSpPr>
-      <p:grpSpPr>
-        <a:xfrm>
-          <a:off x="0" y="0"/>
-          <a:ext cx="0" cy="0"/>
-          <a:chOff x="0" y="0"/>
-          <a:chExt cx="0" cy="0"/>
-        </a:xfrm>
-      </p:grpSpPr>
-      <p:sp>
-        <p:nvSpPr>
-          <p:cNvPr id="7" name="Text Placeholder 12">
-            <a:extLst>
-              <a:ext uri="{FF2B5EF4-FFF2-40B4-BE49-F238E27FC236}">
-                <a16:creationId xmlns:a16="http://schemas.microsoft.com/office/drawing/2014/main" id="{82554C09-2158-4702-9B4A-E0C68913C689}"/>
-              </a:ext>
-            </a:extLst>
-          </p:cNvPr>
-          <p:cNvSpPr>
-            <a:spLocks noGrp="1"/>
-          </p:cNvSpPr>
-          <p:nvPr>
-            <p:ph idx="1"/>
-          </p:nvPr>
-        </p:nvSpPr>
-        <p:spPr bwMode="auto">
-          <a:xfrm>
-            <a:off x="609600" y="1066800"/>
-            <a:ext cx="5486400" cy="5062538"/>
-          </a:xfrm>
-          <a:prstGeom prst="rect">
-            <a:avLst/>
-          </a:prstGeom>
-          <a:noFill/>
-          <a:ln>
-            <a:noFill/>
-          </a:ln>
-          <a:extLst>
-            <a:ext uri="{909E8E84-426E-40DD-AFC4-6F175D3DCCD1}">
-              <a14:hiddenFill xmlns:a14="http://schemas.microsoft.com/office/drawing/2010/main">
-                <a:solidFill>
-                  <a:srgbClr val="FFFFFF"/>
-                </a:solidFill>
-              </a14:hiddenFill>
-            </a:ext>
-            <a:ext uri="{91240B29-F687-4F45-9708-019B960494DF}">
-              <a14:hiddenLine xmlns:a14="http://schemas.microsoft.com/office/drawing/2010/main" w="9525">
-                <a:solidFill>
-                  <a:srgbClr val="000000"/>
-                </a:solidFill>
-                <a:miter lim="800000"/>
-                <a:headEnd/>
-                <a:tailEnd/>
-              </a14:hiddenLine>
-            </a:ext>
-          </a:extLst>
-        </p:spPr>
-        <p:txBody>
-          <a:bodyPr vert="horz" wrap="square" lIns="91440" tIns="45720" rIns="91440" bIns="45720" numCol="1" anchor="t" anchorCtr="0" compatLnSpc="1">
-            <a:prstTxWarp prst="textNoShape">
-              <a:avLst/>
-            </a:prstTxWarp>
-          </a:bodyPr>
-          <a:lstStyle>
-            <a:lvl1pPr>
-              <a:defRPr baseline="0">
-                <a:latin typeface="+mn-lt"/>
-              </a:defRPr>
-            </a:lvl1pPr>
-            <a:lvl2pPr>
-              <a:defRPr baseline="0">
-                <a:latin typeface="+mn-lt"/>
-              </a:defRPr>
-            </a:lvl2pPr>
-            <a:lvl3pPr>
-              <a:defRPr baseline="0">
-                <a:latin typeface="+mn-lt"/>
-              </a:defRPr>
-            </a:lvl3pPr>
-            <a:lvl4pPr>
-              <a:defRPr baseline="0">
-                <a:latin typeface="+mn-lt"/>
-              </a:defRPr>
-            </a:lvl4pPr>
-            <a:lvl5pPr>
-              <a:defRPr baseline="0">
-                <a:latin typeface="+mn-lt"/>
-              </a:defRPr>
-            </a:lvl5pPr>
-          </a:lstStyle>
-          <a:p>
-            <a:pPr lvl="0"/>
-            <a:r>
-              <a:rPr lang="zh-CN" altLang="en-US"/>
-              <a:t>编辑母版文本样式</a:t>
-            </a:r>
-          </a:p>
-          <a:p>
-            <a:pPr lvl="1"/>
-            <a:r>
-              <a:rPr lang="zh-CN" altLang="en-US"/>
-              <a:t>第二级</a:t>
-            </a:r>
-          </a:p>
-          <a:p>
-            <a:pPr lvl="2"/>
-            <a:r>
-              <a:rPr lang="zh-CN" altLang="en-US"/>
-              <a:t>第三级</a:t>
-            </a:r>
-          </a:p>
-          <a:p>
-            <a:pPr lvl="3"/>
-            <a:r>
-              <a:rPr lang="zh-CN" altLang="en-US"/>
-              <a:t>第四级</a:t>
-            </a:r>
-          </a:p>
-        </p:txBody>
-      </p:sp>
-      <p:sp>
-        <p:nvSpPr>
-          <p:cNvPr id="3" name="标题 2">
-            <a:extLst>
-              <a:ext uri="{FF2B5EF4-FFF2-40B4-BE49-F238E27FC236}">
-                <a16:creationId xmlns:a16="http://schemas.microsoft.com/office/drawing/2014/main" id="{63866493-C33C-47CF-99CE-6E19EE056D71}"/>
-              </a:ext>
-            </a:extLst>
-          </p:cNvPr>
-          <p:cNvSpPr>
-            <a:spLocks noGrp="1"/>
-          </p:cNvSpPr>
-          <p:nvPr>
-            <p:ph type="title"/>
-          </p:nvPr>
-        </p:nvSpPr>
-        <p:spPr/>
-        <p:txBody>
-          <a:bodyPr/>
-          <a:lstStyle/>
-          <a:p>
-            <a:r>
-              <a:rPr lang="zh-CN" altLang="en-US"/>
-              <a:t>单击此处编辑母版标题样式</a:t>
-            </a:r>
-          </a:p>
-        </p:txBody>
-      </p:sp>
-      <p:cxnSp>
-        <p:nvCxnSpPr>
-          <p:cNvPr id="4" name="直接连接符 3">
-            <a:extLst>
-              <a:ext uri="{FF2B5EF4-FFF2-40B4-BE49-F238E27FC236}">
-                <a16:creationId xmlns:a16="http://schemas.microsoft.com/office/drawing/2014/main" id="{F4E9E31A-5EEF-4165-B7AF-A4322917E67F}"/>
-              </a:ext>
-            </a:extLst>
-          </p:cNvPr>
-          <p:cNvCxnSpPr/>
-          <p:nvPr/>
-        </p:nvCxnSpPr>
-        <p:spPr>
-          <a:xfrm>
-            <a:off x="6172200" y="1066800"/>
-            <a:ext cx="0" cy="5181600"/>
-          </a:xfrm>
-          <a:prstGeom prst="line">
-            <a:avLst/>
-          </a:prstGeom>
-        </p:spPr>
-        <p:style>
-          <a:lnRef idx="1">
-            <a:schemeClr val="accent1"/>
-          </a:lnRef>
-          <a:fillRef idx="0">
-            <a:schemeClr val="accent1"/>
-          </a:fillRef>
-          <a:effectRef idx="0">
-            <a:schemeClr val="accent1"/>
-          </a:effectRef>
-          <a:fontRef idx="minor">
-            <a:schemeClr val="tx1"/>
-          </a:fontRef>
-        </p:style>
-      </p:cxnSp>
-    </p:spTree>
-    <p:extLst>
-      <p:ext uri="{BB962C8B-B14F-4D97-AF65-F5344CB8AC3E}">
-        <p14:creationId xmlns:p14="http://schemas.microsoft.com/office/powerpoint/2010/main" val="806982616"/>
-      </p:ext>
-    </p:extLst>
-  </p:cSld>
-  <p:clrMapOvr>
-    <a:masterClrMapping/>
-  </p:clrMapOvr>
-  <p:hf hdr="0" ftr="0" dt="0"/>
-</p:sldLayout>
-</file>
-
-<file path=ppt/slideLayouts/slideLayout7.xml><?xml version="1.0" encoding="utf-8"?>
-<p:sldLayout xmlns:a="http://schemas.openxmlformats.org/drawingml/2006/main" xmlns:r="http://schemas.openxmlformats.org/officeDocument/2006/relationships" xmlns:p="http://schemas.openxmlformats.org/presentationml/2006/main" showMasterSp="0" preserve="1">
-  <p:cSld name="empty">
-    <p:spTree>
-      <p:nvGrpSpPr>
-        <p:cNvPr id="1" name=""/>
-        <p:cNvGrpSpPr/>
-        <p:nvPr/>
-      </p:nvGrpSpPr>
-      <p:grpSpPr>
-        <a:xfrm>
-          <a:off x="0" y="0"/>
-          <a:ext cx="0" cy="0"/>
-          <a:chOff x="0" y="0"/>
-          <a:chExt cx="0" cy="0"/>
-        </a:xfrm>
-      </p:grpSpPr>
-    </p:spTree>
-    <p:extLst>
-      <p:ext uri="{BB962C8B-B14F-4D97-AF65-F5344CB8AC3E}">
-        <p14:creationId xmlns:p14="http://schemas.microsoft.com/office/powerpoint/2010/main" val="681428087"/>
-      </p:ext>
-    </p:extLst>
-  </p:cSld>
-  <p:clrMapOvr>
-    <a:masterClrMapping/>
-  </p:clrMapOvr>
-</p:sldLayout>
-</file>
-
-<file path=ppt/slideLayouts/slideLayout8.xml><?xml version="1.0" encoding="utf-8"?>
+<file path=ppt/slideLayouts/slideLayout9.xml><?xml version="1.0" encoding="utf-8"?>
 <p:sldLayout xmlns:a="http://schemas.openxmlformats.org/drawingml/2006/main" xmlns:r="http://schemas.openxmlformats.org/officeDocument/2006/relationships" xmlns:p="http://schemas.openxmlformats.org/presentationml/2006/main" userDrawn="1">
   <p:cSld name="End">
     <p:spTree>
@@ -2752,156 +3157,7 @@
     </p:spTree>
     <p:extLst>
       <p:ext uri="{BB962C8B-B14F-4D97-AF65-F5344CB8AC3E}">
-        <p14:creationId xmlns:p14="http://schemas.microsoft.com/office/powerpoint/2010/main" val="1382474570"/>
-      </p:ext>
-    </p:extLst>
-  </p:cSld>
-  <p:clrMapOvr>
-    <a:masterClrMapping/>
-  </p:clrMapOvr>
-</p:sldLayout>
-</file>
-
-<file path=ppt/slideLayouts/slideLayout9.xml><?xml version="1.0" encoding="utf-8"?>
-<p:sldLayout xmlns:a="http://schemas.openxmlformats.org/drawingml/2006/main" xmlns:r="http://schemas.openxmlformats.org/officeDocument/2006/relationships" xmlns:p="http://schemas.openxmlformats.org/presentationml/2006/main" userDrawn="1">
-  <p:cSld name="Title and Content">
-    <p:spTree>
-      <p:nvGrpSpPr>
-        <p:cNvPr id="1" name=""/>
-        <p:cNvGrpSpPr/>
-        <p:nvPr/>
-      </p:nvGrpSpPr>
-      <p:grpSpPr>
-        <a:xfrm>
-          <a:off x="0" y="0"/>
-          <a:ext cx="0" cy="0"/>
-          <a:chOff x="0" y="0"/>
-          <a:chExt cx="0" cy="0"/>
-        </a:xfrm>
-      </p:grpSpPr>
-      <p:sp>
-        <p:nvSpPr>
-          <p:cNvPr id="2" name="Title 1"/>
-          <p:cNvSpPr>
-            <a:spLocks noGrp="1"/>
-          </p:cNvSpPr>
-          <p:nvPr>
-            <p:ph type="title"/>
-          </p:nvPr>
-        </p:nvSpPr>
-        <p:spPr/>
-        <p:txBody>
-          <a:bodyPr/>
-          <a:lstStyle>
-            <a:lvl1pPr>
-              <a:defRPr>
-                <a:latin typeface="微软雅黑" panose="020B0503020204020204" pitchFamily="34" charset="-122"/>
-                <a:ea typeface="微软雅黑" panose="020B0503020204020204" pitchFamily="34" charset="-122"/>
-              </a:defRPr>
-            </a:lvl1pPr>
-          </a:lstStyle>
-          <a:p>
-            <a:r>
-              <a:rPr lang="en-US" dirty="0"/>
-              <a:t>Click to edit Master title style</a:t>
-            </a:r>
-          </a:p>
-        </p:txBody>
-      </p:sp>
-      <p:sp>
-        <p:nvSpPr>
-          <p:cNvPr id="8" name="Content Placeholder 7"/>
-          <p:cNvSpPr>
-            <a:spLocks noGrp="1"/>
-          </p:cNvSpPr>
-          <p:nvPr>
-            <p:ph sz="quarter" idx="1"/>
-          </p:nvPr>
-        </p:nvSpPr>
-        <p:spPr>
-          <a:xfrm>
-            <a:off x="609600" y="1219200"/>
-            <a:ext cx="10972800" cy="4937760"/>
-          </a:xfrm>
-        </p:spPr>
-        <p:txBody>
-          <a:bodyPr/>
-          <a:lstStyle>
-            <a:lvl1pPr>
-              <a:defRPr>
-                <a:solidFill>
-                  <a:schemeClr val="accent2"/>
-                </a:solidFill>
-                <a:latin typeface="+mn-lt"/>
-                <a:ea typeface="华文楷体" panose="02010600040101010101" pitchFamily="2" charset="-122"/>
-              </a:defRPr>
-            </a:lvl1pPr>
-            <a:lvl2pPr>
-              <a:defRPr sz="2400">
-                <a:latin typeface="+mn-lt"/>
-                <a:ea typeface="华文楷体" panose="02010600040101010101" pitchFamily="2" charset="-122"/>
-              </a:defRPr>
-            </a:lvl2pPr>
-            <a:lvl3pPr>
-              <a:defRPr sz="2400">
-                <a:latin typeface="+mn-lt"/>
-                <a:ea typeface="华文楷体" panose="02010600040101010101" pitchFamily="2" charset="-122"/>
-              </a:defRPr>
-            </a:lvl3pPr>
-            <a:lvl4pPr>
-              <a:defRPr sz="1800">
-                <a:latin typeface="+mn-lt"/>
-                <a:ea typeface="华文楷体" panose="02010600040101010101" pitchFamily="2" charset="-122"/>
-              </a:defRPr>
-            </a:lvl4pPr>
-            <a:lvl5pPr>
-              <a:defRPr sz="1600">
-                <a:latin typeface="+mn-lt"/>
-                <a:ea typeface="华文楷体" panose="02010600040101010101" pitchFamily="2" charset="-122"/>
-              </a:defRPr>
-            </a:lvl5pPr>
-          </a:lstStyle>
-          <a:p>
-            <a:pPr lvl="0"/>
-            <a:r>
-              <a:rPr lang="en-US" dirty="0"/>
-              <a:t>Click to edit Master text styles</a:t>
-            </a:r>
-          </a:p>
-          <a:p>
-            <a:pPr lvl="1"/>
-            <a:r>
-              <a:rPr lang="en-US" dirty="0"/>
-              <a:t>Second level</a:t>
-            </a:r>
-          </a:p>
-          <a:p>
-            <a:pPr lvl="2"/>
-            <a:r>
-              <a:rPr lang="en-US" dirty="0"/>
-              <a:t>Third level</a:t>
-            </a:r>
-          </a:p>
-          <a:p>
-            <a:pPr lvl="3"/>
-            <a:r>
-              <a:rPr lang="en-US" dirty="0"/>
-              <a:t>Fourth level</a:t>
-            </a:r>
-          </a:p>
-          <a:p>
-            <a:pPr lvl="4"/>
-            <a:r>
-              <a:rPr lang="en-US" dirty="0"/>
-              <a:t>Fifth level</a:t>
-            </a:r>
-          </a:p>
-        </p:txBody>
-      </p:sp>
-    </p:spTree>
-    <p:extLst>
-      <p:ext uri="{BB962C8B-B14F-4D97-AF65-F5344CB8AC3E}">
-        <p14:creationId xmlns:p14="http://schemas.microsoft.com/office/powerpoint/2010/main" val="2419070164"/>
+        <p14:creationId xmlns:p14="http://schemas.microsoft.com/office/powerpoint/2010/main" val="2241942554"/>
       </p:ext>
     </p:extLst>
   </p:cSld>
@@ -2912,7 +3168,7 @@
 </file>
 
 <file path=ppt/slideMasters/slideMaster1.xml><?xml version="1.0" encoding="utf-8"?>
-<p:sldMaster xmlns:a="http://schemas.openxmlformats.org/drawingml/2006/main" xmlns:r="http://schemas.openxmlformats.org/officeDocument/2006/relationships" xmlns:p="http://schemas.openxmlformats.org/presentationml/2006/main">
+<p:sldMaster xmlns:a="http://schemas.openxmlformats.org/drawingml/2006/main" xmlns:r="http://schemas.openxmlformats.org/officeDocument/2006/relationships" xmlns:p="http://schemas.openxmlformats.org/presentationml/2006/main" preserve="1">
   <p:cSld>
     <p:bg>
       <p:bgPr>
@@ -2948,8 +3204,8 @@
         </p:nvSpPr>
         <p:spPr bwMode="auto">
           <a:xfrm>
-            <a:off x="609600" y="152400"/>
-            <a:ext cx="10972800" cy="842957"/>
+            <a:off x="609600" y="152401"/>
+            <a:ext cx="10972800" cy="733410"/>
           </a:xfrm>
           <a:prstGeom prst="rect">
             <a:avLst/>
@@ -3007,8 +3263,8 @@
         </p:nvSpPr>
         <p:spPr bwMode="auto">
           <a:xfrm>
-            <a:off x="609600" y="1066801"/>
-            <a:ext cx="10972800" cy="5181585"/>
+            <a:off x="609600" y="990599"/>
+            <a:ext cx="10972800" cy="5410197"/>
           </a:xfrm>
           <a:prstGeom prst="rect">
             <a:avLst/>
@@ -3064,13 +3320,6 @@
               <a:rPr lang="zh-CN" altLang="en-US" dirty="0"/>
               <a:t>第三级</a:t>
             </a:r>
-          </a:p>
-          <a:p>
-            <a:pPr lvl="3"/>
-            <a:r>
-              <a:rPr lang="zh-CN" altLang="en-US" dirty="0"/>
-              <a:t>第四级</a:t>
-            </a:r>
             <a:endParaRPr lang="en-US" altLang="zh-CN" dirty="0"/>
           </a:p>
         </p:txBody>
@@ -3081,11 +3330,11 @@
           <p:cNvSpPr>
             <a:spLocks noChangeShapeType="1"/>
           </p:cNvSpPr>
-          <p:nvPr/>
+          <p:nvPr userDrawn="1"/>
         </p:nvSpPr>
         <p:spPr bwMode="auto">
           <a:xfrm>
-            <a:off x="609600" y="990600"/>
+            <a:off x="609600" y="898949"/>
             <a:ext cx="10972800" cy="0"/>
           </a:xfrm>
           <a:prstGeom prst="line">
@@ -3119,102 +3368,6 @@
       </p:sp>
       <p:sp>
         <p:nvSpPr>
-          <p:cNvPr id="15" name="Straight Connector 27"/>
-          <p:cNvSpPr>
-            <a:spLocks noChangeShapeType="1"/>
-          </p:cNvSpPr>
-          <p:nvPr/>
-        </p:nvSpPr>
-        <p:spPr bwMode="auto">
-          <a:xfrm>
-            <a:off x="609600" y="6353175"/>
-            <a:ext cx="10972800" cy="0"/>
-          </a:xfrm>
-          <a:prstGeom prst="line">
-            <a:avLst/>
-          </a:prstGeom>
-          <a:noFill/>
-          <a:ln w="9525" algn="ctr">
-            <a:solidFill>
-              <a:schemeClr val="accent2"/>
-            </a:solidFill>
-            <a:prstDash val="dash"/>
-            <a:round/>
-            <a:headEnd/>
-            <a:tailEnd/>
-          </a:ln>
-          <a:extLst>
-            <a:ext uri="{909E8E84-426E-40DD-AFC4-6F175D3DCCD1}">
-              <a14:hiddenFill xmlns:a14="http://schemas.microsoft.com/office/drawing/2010/main">
-                <a:noFill/>
-              </a14:hiddenFill>
-            </a:ext>
-          </a:extLst>
-        </p:spPr>
-        <p:txBody>
-          <a:bodyPr/>
-          <a:lstStyle/>
-          <a:p>
-            <a:endParaRPr lang="zh-CN" altLang="en-US" sz="1050">
-              <a:latin typeface="+mn-ea"/>
-              <a:ea typeface="+mn-ea"/>
-            </a:endParaRPr>
-          </a:p>
-        </p:txBody>
-      </p:sp>
-      <p:sp>
-        <p:nvSpPr>
-          <p:cNvPr id="8" name="Straight Connector 27">
-            <a:extLst>
-              <a:ext uri="{FF2B5EF4-FFF2-40B4-BE49-F238E27FC236}">
-                <a16:creationId xmlns:a16="http://schemas.microsoft.com/office/drawing/2014/main" id="{AD870F7F-1CCC-4321-970F-12B70306405B}"/>
-              </a:ext>
-            </a:extLst>
-          </p:cNvPr>
-          <p:cNvSpPr>
-            <a:spLocks noChangeShapeType="1"/>
-          </p:cNvSpPr>
-          <p:nvPr/>
-        </p:nvSpPr>
-        <p:spPr bwMode="auto">
-          <a:xfrm>
-            <a:off x="609600" y="6353175"/>
-            <a:ext cx="10972800" cy="0"/>
-          </a:xfrm>
-          <a:prstGeom prst="line">
-            <a:avLst/>
-          </a:prstGeom>
-          <a:noFill/>
-          <a:ln w="9525" algn="ctr">
-            <a:solidFill>
-              <a:schemeClr val="accent2"/>
-            </a:solidFill>
-            <a:prstDash val="dash"/>
-            <a:round/>
-            <a:headEnd/>
-            <a:tailEnd/>
-          </a:ln>
-          <a:extLst>
-            <a:ext uri="{909E8E84-426E-40dd-AFC4-6F175D3DCCD1}">
-              <a14:hiddenFill xmlns="" xmlns:a14="http://schemas.microsoft.com/office/drawing/2010/main">
-                <a:noFill/>
-              </a14:hiddenFill>
-            </a:ext>
-          </a:extLst>
-        </p:spPr>
-        <p:txBody>
-          <a:bodyPr/>
-          <a:lstStyle/>
-          <a:p>
-            <a:endParaRPr lang="zh-CN" altLang="en-US" sz="1400">
-              <a:latin typeface="+mn-ea"/>
-              <a:ea typeface="+mn-ea"/>
-            </a:endParaRPr>
-          </a:p>
-        </p:txBody>
-      </p:sp>
-      <p:sp>
-        <p:nvSpPr>
           <p:cNvPr id="9" name="Footer Placeholder 2">
             <a:extLst>
               <a:ext uri="{FF2B5EF4-FFF2-40B4-BE49-F238E27FC236}">
@@ -3225,11 +3378,11 @@
           <p:cNvSpPr txBox="1">
             <a:spLocks/>
           </p:cNvSpPr>
-          <p:nvPr/>
+          <p:nvPr userDrawn="1"/>
         </p:nvSpPr>
         <p:spPr>
           <a:xfrm>
-            <a:off x="4064000" y="6362437"/>
+            <a:off x="4114800" y="6492875"/>
             <a:ext cx="3962400" cy="365125"/>
           </a:xfrm>
           <a:prstGeom prst="rect">
@@ -3237,7 +3390,7 @@
           </a:prstGeom>
         </p:spPr>
         <p:txBody>
-          <a:bodyPr vert="horz" wrap="square" lIns="68580" tIns="34290" rIns="68580" bIns="34290" numCol="1" anchor="t" anchorCtr="0" compatLnSpc="1">
+          <a:bodyPr vert="horz" wrap="square" lIns="0" tIns="0" rIns="0" bIns="0" numCol="1" anchor="ctr" anchorCtr="0" compatLnSpc="1">
             <a:prstTxWarp prst="textNoShape">
               <a:avLst/>
             </a:prstTxWarp>
@@ -3401,21 +3554,76 @@
       </p:sp>
       <p:sp>
         <p:nvSpPr>
-          <p:cNvPr id="11" name="Straight Connector 27">
+          <p:cNvPr id="13" name="Rectangle 17">
             <a:extLst>
               <a:ext uri="{FF2B5EF4-FFF2-40B4-BE49-F238E27FC236}">
-                <a16:creationId xmlns:a16="http://schemas.microsoft.com/office/drawing/2014/main" id="{A837BCC5-C144-42D1-B299-B96CCF100C71}"/>
+                <a16:creationId xmlns:a16="http://schemas.microsoft.com/office/drawing/2014/main" id="{5ED38AFC-6FCA-41F0-B286-064BF4E13FFB}"/>
+              </a:ext>
+            </a:extLst>
+          </p:cNvPr>
+          <p:cNvSpPr/>
+          <p:nvPr/>
+        </p:nvSpPr>
+        <p:spPr>
+          <a:xfrm>
+            <a:off x="10972800" y="6521549"/>
+            <a:ext cx="375424" cy="307777"/>
+          </a:xfrm>
+          <a:prstGeom prst="rect">
+            <a:avLst/>
+          </a:prstGeom>
+        </p:spPr>
+        <p:txBody>
+          <a:bodyPr wrap="none" anchor="ctr">
+            <a:spAutoFit/>
+          </a:bodyPr>
+          <a:lstStyle/>
+          <a:p>
+            <a:pPr>
+              <a:defRPr/>
+            </a:pPr>
+            <a:fld id="{7A0AC270-0923-4589-A51D-6091E7C5371F}" type="slidenum">
+              <a:rPr lang="zh-CN" altLang="en-US" sz="1400" kern="1200" smtClean="0">
+                <a:solidFill>
+                  <a:schemeClr val="tx2"/>
+                </a:solidFill>
+                <a:latin typeface="+mn-ea"/>
+                <a:ea typeface="+mn-ea"/>
+                <a:cs typeface="Arial" panose="020B0604020202020204" pitchFamily="34" charset="0"/>
+              </a:rPr>
+              <a:pPr>
+                <a:defRPr/>
+              </a:pPr>
+              <a:t>‹#›</a:t>
+            </a:fld>
+            <a:endParaRPr lang="en-US" altLang="zh-CN" sz="1400" kern="1200" dirty="0">
+              <a:solidFill>
+                <a:schemeClr val="tx2"/>
+              </a:solidFill>
+              <a:latin typeface="+mn-ea"/>
+              <a:ea typeface="+mn-ea"/>
+              <a:cs typeface="Arial" panose="020B0604020202020204" pitchFamily="34" charset="0"/>
+            </a:endParaRPr>
+          </a:p>
+        </p:txBody>
+      </p:sp>
+      <p:sp>
+        <p:nvSpPr>
+          <p:cNvPr id="12" name="Straight Connector 27">
+            <a:extLst>
+              <a:ext uri="{FF2B5EF4-FFF2-40B4-BE49-F238E27FC236}">
+                <a16:creationId xmlns:a16="http://schemas.microsoft.com/office/drawing/2014/main" id="{D59285DE-C1F6-4B21-8CFE-2BDB4A08D1BB}"/>
               </a:ext>
             </a:extLst>
           </p:cNvPr>
           <p:cNvSpPr>
             <a:spLocks noChangeShapeType="1"/>
           </p:cNvSpPr>
-          <p:nvPr userDrawn="1"/>
+          <p:nvPr/>
         </p:nvSpPr>
         <p:spPr bwMode="auto">
           <a:xfrm>
-            <a:off x="609600" y="6353175"/>
+            <a:off x="609600" y="6477000"/>
             <a:ext cx="10972800" cy="0"/>
           </a:xfrm>
           <a:prstGeom prst="line">
@@ -3450,79 +3658,25 @@
           </a:p>
         </p:txBody>
       </p:sp>
-      <p:sp>
-        <p:nvSpPr>
-          <p:cNvPr id="13" name="Rectangle 17">
-            <a:extLst>
-              <a:ext uri="{FF2B5EF4-FFF2-40B4-BE49-F238E27FC236}">
-                <a16:creationId xmlns:a16="http://schemas.microsoft.com/office/drawing/2014/main" id="{BA3ABBA9-E849-4E02-9CE7-1482680DB7A1}"/>
-              </a:ext>
-            </a:extLst>
-          </p:cNvPr>
-          <p:cNvSpPr/>
-          <p:nvPr userDrawn="1"/>
-        </p:nvSpPr>
-        <p:spPr>
-          <a:xfrm>
-            <a:off x="10972800" y="6362437"/>
-            <a:ext cx="375424" cy="307777"/>
-          </a:xfrm>
-          <a:prstGeom prst="rect">
-            <a:avLst/>
-          </a:prstGeom>
-        </p:spPr>
-        <p:txBody>
-          <a:bodyPr wrap="none">
-            <a:spAutoFit/>
-          </a:bodyPr>
-          <a:lstStyle/>
-          <a:p>
-            <a:pPr>
-              <a:defRPr/>
-            </a:pPr>
-            <a:fld id="{7A0AC270-0923-4589-A51D-6091E7C5371F}" type="slidenum">
-              <a:rPr lang="zh-CN" altLang="en-US" sz="1400" kern="1200" smtClean="0">
-                <a:solidFill>
-                  <a:schemeClr val="tx2"/>
-                </a:solidFill>
-                <a:latin typeface="+mn-ea"/>
-                <a:ea typeface="+mn-ea"/>
-                <a:cs typeface="Arial" panose="020B0604020202020204" pitchFamily="34" charset="0"/>
-              </a:rPr>
-              <a:pPr>
-                <a:defRPr/>
-              </a:pPr>
-              <a:t>‹#›</a:t>
-            </a:fld>
-            <a:endParaRPr lang="en-US" altLang="zh-CN" sz="1400" kern="1200" dirty="0">
-              <a:solidFill>
-                <a:schemeClr val="tx2"/>
-              </a:solidFill>
-              <a:latin typeface="+mn-ea"/>
-              <a:ea typeface="+mn-ea"/>
-              <a:cs typeface="Arial" panose="020B0604020202020204" pitchFamily="34" charset="0"/>
-            </a:endParaRPr>
-          </a:p>
-        </p:txBody>
-      </p:sp>
     </p:spTree>
     <p:extLst>
       <p:ext uri="{BB962C8B-B14F-4D97-AF65-F5344CB8AC3E}">
-        <p14:creationId xmlns:p14="http://schemas.microsoft.com/office/powerpoint/2010/main" val="1231445287"/>
+        <p14:creationId xmlns:p14="http://schemas.microsoft.com/office/powerpoint/2010/main" val="2314911757"/>
       </p:ext>
     </p:extLst>
   </p:cSld>
   <p:clrMap bg1="lt1" tx1="dk1" bg2="lt2" tx2="dk2" accent1="accent1" accent2="accent2" accent3="accent3" accent4="accent4" accent5="accent5" accent6="accent6" hlink="hlink" folHlink="folHlink"/>
   <p:sldLayoutIdLst>
-    <p:sldLayoutId id="2147483834" r:id="rId1"/>
-    <p:sldLayoutId id="2147483835" r:id="rId2"/>
-    <p:sldLayoutId id="2147483836" r:id="rId3"/>
-    <p:sldLayoutId id="2147483837" r:id="rId4"/>
-    <p:sldLayoutId id="2147483838" r:id="rId5"/>
-    <p:sldLayoutId id="2147483839" r:id="rId6"/>
-    <p:sldLayoutId id="2147483840" r:id="rId7"/>
-    <p:sldLayoutId id="2147483842" r:id="rId8"/>
-    <p:sldLayoutId id="2147483843" r:id="rId9"/>
+    <p:sldLayoutId id="2147483845" r:id="rId1"/>
+    <p:sldLayoutId id="2147483846" r:id="rId2"/>
+    <p:sldLayoutId id="2147483847" r:id="rId3"/>
+    <p:sldLayoutId id="2147483848" r:id="rId4"/>
+    <p:sldLayoutId id="2147483849" r:id="rId5"/>
+    <p:sldLayoutId id="2147483850" r:id="rId6"/>
+    <p:sldLayoutId id="2147483851" r:id="rId7"/>
+    <p:sldLayoutId id="2147483852" r:id="rId8"/>
+    <p:sldLayoutId id="2147483853" r:id="rId9"/>
+    <p:sldLayoutId id="2147483843" r:id="rId10"/>
   </p:sldLayoutIdLst>
   <p:hf hdr="0" ftr="0" dt="0"/>
   <p:txStyles>
@@ -3534,9 +3688,9 @@
         <a:spcAft>
           <a:spcPct val="0"/>
         </a:spcAft>
-        <a:defRPr sz="2400" kern="1200">
+        <a:defRPr sz="3200" kern="1200">
           <a:solidFill>
-            <a:schemeClr val="tx2"/>
+            <a:srgbClr val="000000"/>
           </a:solidFill>
           <a:latin typeface="+mj-lt"/>
           <a:ea typeface="+mj-ea"/>
@@ -3665,14 +3819,14 @@
           <a:spcPct val="0"/>
         </a:spcAft>
         <a:buClr>
-          <a:schemeClr val="accent1"/>
+          <a:srgbClr val="000000"/>
         </a:buClr>
         <a:buSzPct val="76000"/>
         <a:buFont typeface="Wingdings 3" panose="05040102010807070707" pitchFamily="18" charset="2"/>
         <a:buChar char=""/>
-        <a:defRPr lang="en-US" altLang="zh-CN" sz="2400" kern="1200" baseline="0" dirty="0" smtClean="0">
+        <a:defRPr lang="en-US" altLang="zh-CN" sz="3200" kern="1200" baseline="0" dirty="0" smtClean="0">
           <a:solidFill>
-            <a:srgbClr val="AD470F"/>
+            <a:srgbClr val="C00000"/>
           </a:solidFill>
           <a:latin typeface="+mn-lt"/>
           <a:ea typeface="+mn-ea"/>
@@ -3687,14 +3841,14 @@
           <a:spcPct val="0"/>
         </a:spcAft>
         <a:buClr>
-          <a:schemeClr val="accent2"/>
+          <a:srgbClr val="000000"/>
         </a:buClr>
         <a:buSzPct val="76000"/>
         <a:buFont typeface="Wingdings 3" panose="05040102010807070707" pitchFamily="18" charset="2"/>
         <a:buChar char=""/>
-        <a:defRPr sz="2100" kern="1200" baseline="0">
+        <a:defRPr sz="2800" kern="1200" baseline="0">
           <a:solidFill>
-            <a:schemeClr val="tx2"/>
+            <a:srgbClr val="000000"/>
           </a:solidFill>
           <a:latin typeface="+mn-lt"/>
           <a:ea typeface="+mn-ea"/>
@@ -3709,14 +3863,14 @@
           <a:spcPct val="0"/>
         </a:spcAft>
         <a:buClr>
-          <a:srgbClr val="BCBCBC"/>
+          <a:srgbClr val="000000"/>
         </a:buClr>
         <a:buSzPct val="76000"/>
         <a:buFont typeface="Wingdings 3" panose="05040102010807070707" pitchFamily="18" charset="2"/>
         <a:buChar char=""/>
-        <a:defRPr sz="1800" kern="1200" baseline="0">
+        <a:defRPr sz="2400" kern="1200" baseline="0">
           <a:solidFill>
-            <a:schemeClr val="tx1"/>
+            <a:schemeClr val="accent1"/>
           </a:solidFill>
           <a:latin typeface="+mn-lt"/>
           <a:ea typeface="+mn-ea"/>
@@ -3736,7 +3890,7 @@
         <a:buSzPct val="70000"/>
         <a:buFont typeface="Wingdings" panose="05000000000000000000" pitchFamily="2" charset="2"/>
         <a:buChar char=""/>
-        <a:defRPr sz="1500" kern="1200" baseline="0">
+        <a:defRPr sz="2000" kern="1200" baseline="0">
           <a:solidFill>
             <a:schemeClr val="tx1"/>
           </a:solidFill>
@@ -4105,8 +4259,8 @@
           </a:p>
         </p:txBody>
       </p:sp>
-      <mc:AlternateContent xmlns:mc="http://schemas.openxmlformats.org/markup-compatibility/2006" xmlns:a14="http://schemas.microsoft.com/office/drawing/2010/main">
-        <mc:Choice Requires="a14">
+      <mc:AlternateContent xmlns:mc="http://schemas.openxmlformats.org/markup-compatibility/2006">
+        <mc:Choice xmlns:a14="http://schemas.microsoft.com/office/drawing/2010/main" Requires="a14">
           <p:sp>
             <p:nvSpPr>
               <p:cNvPr id="3" name="内容占位符 2">
@@ -4129,21 +4283,21 @@
               <a:lstStyle/>
               <a:p>
                 <a:r>
-                  <a:rPr lang="zh-CN" altLang="en-US" dirty="0"/>
+                  <a:rPr lang="zh-CN" altLang="en-US" sz="2800" dirty="0"/>
                   <a:t>给定一组</a:t>
                 </a:r>
                 <a:r>
-                  <a:rPr lang="en-US" altLang="zh-CN" dirty="0"/>
+                  <a:rPr lang="en-US" altLang="zh-CN" sz="2800" dirty="0"/>
                   <a:t>N </a:t>
                 </a:r>
                 <a:r>
-                  <a:rPr lang="zh-CN" altLang="en-US" dirty="0"/>
+                  <a:rPr lang="zh-CN" altLang="en-US" sz="2800" dirty="0"/>
                   <a:t>个输入向量</a:t>
                 </a:r>
                 <a14:m>
                   <m:oMath xmlns:m="http://schemas.openxmlformats.org/officeDocument/2006/math">
                     <m:r>
-                      <a:rPr lang="en-US" altLang="zh-CN" b="1" i="1" dirty="0" smtClean="0">
+                      <a:rPr lang="en-US" altLang="zh-CN" sz="2800" b="1" i="1" dirty="0" smtClean="0">
                         <a:latin typeface="Cambria Math" panose="02040503050406030204" pitchFamily="18" charset="0"/>
                       </a:rPr>
                       <m:t>𝒙</m:t>
@@ -4151,14 +4305,14 @@
                     <m:d>
                       <m:dPr>
                         <m:ctrlPr>
-                          <a:rPr lang="en-US" altLang="zh-CN" b="1" i="1" baseline="30000" dirty="0" smtClean="0">
+                          <a:rPr lang="en-US" altLang="zh-CN" sz="2800" b="1" i="1" baseline="30000" dirty="0" smtClean="0">
                             <a:latin typeface="Cambria Math" panose="02040503050406030204" pitchFamily="18" charset="0"/>
                           </a:rPr>
                         </m:ctrlPr>
                       </m:dPr>
                       <m:e>
                         <m:r>
-                          <a:rPr lang="en-US" altLang="zh-CN" b="1" i="1" baseline="30000" dirty="0" smtClean="0">
+                          <a:rPr lang="en-US" altLang="zh-CN" sz="2800" b="1" i="1" baseline="30000" dirty="0" smtClean="0">
                             <a:latin typeface="Cambria Math" panose="02040503050406030204" pitchFamily="18" charset="0"/>
                           </a:rPr>
                           <m:t>𝟏</m:t>
@@ -4166,31 +4320,31 @@
                       </m:e>
                     </m:d>
                     <m:r>
-                      <a:rPr lang="en-US" altLang="zh-CN" b="1" i="1" dirty="0" smtClean="0">
+                      <a:rPr lang="en-US" altLang="zh-CN" sz="2800" b="1" i="1" dirty="0" smtClean="0">
                         <a:latin typeface="Cambria Math" panose="02040503050406030204" pitchFamily="18" charset="0"/>
                       </a:rPr>
                       <m:t>,…,</m:t>
                     </m:r>
                     <m:r>
-                      <a:rPr lang="en-US" altLang="zh-CN" b="1" i="1" dirty="0">
+                      <a:rPr lang="en-US" altLang="zh-CN" sz="2800" b="1" i="1" dirty="0">
                         <a:latin typeface="Cambria Math" panose="02040503050406030204" pitchFamily="18" charset="0"/>
                       </a:rPr>
                       <m:t>𝒙</m:t>
                     </m:r>
                     <m:r>
-                      <a:rPr lang="en-US" altLang="zh-CN" b="1" i="1" baseline="30000" dirty="0" smtClean="0">
+                      <a:rPr lang="en-US" altLang="zh-CN" sz="2800" b="1" i="1" baseline="30000" dirty="0" smtClean="0">
                         <a:latin typeface="Cambria Math" panose="02040503050406030204" pitchFamily="18" charset="0"/>
                       </a:rPr>
                       <m:t>(</m:t>
                     </m:r>
                     <m:r>
-                      <a:rPr lang="en-US" altLang="zh-CN" b="1" i="1" baseline="30000" dirty="0" smtClean="0">
+                      <a:rPr lang="en-US" altLang="zh-CN" sz="2800" b="1" i="1" baseline="30000" dirty="0" smtClean="0">
                         <a:latin typeface="Cambria Math" panose="02040503050406030204" pitchFamily="18" charset="0"/>
                       </a:rPr>
                       <m:t>𝑵</m:t>
                     </m:r>
                     <m:r>
-                      <a:rPr lang="en-US" altLang="zh-CN" b="1" i="1" baseline="30000" dirty="0" smtClean="0">
+                      <a:rPr lang="en-US" altLang="zh-CN" sz="2800" b="1" i="1" baseline="30000" dirty="0" smtClean="0">
                         <a:latin typeface="Cambria Math" panose="02040503050406030204" pitchFamily="18" charset="0"/>
                       </a:rPr>
                       <m:t>)</m:t>
@@ -4198,20 +4352,20 @@
                   </m:oMath>
                 </a14:m>
                 <a:r>
-                  <a:rPr lang="zh-CN" altLang="en-US" dirty="0"/>
+                  <a:rPr lang="zh-CN" altLang="en-US" sz="2800" dirty="0"/>
                   <a:t>，其稀疏编码的目标函数定义为</a:t>
                 </a:r>
-                <a:endParaRPr lang="en-US" altLang="zh-CN" dirty="0"/>
+                <a:endParaRPr lang="en-US" altLang="zh-CN" sz="2800" dirty="0"/>
               </a:p>
               <a:p>
-                <a:endParaRPr lang="en-US" altLang="zh-CN" dirty="0"/>
+                <a:endParaRPr lang="en-US" altLang="zh-CN" sz="2800" dirty="0"/>
               </a:p>
               <a:p>
-                <a:endParaRPr lang="en-US" altLang="zh-CN" dirty="0"/>
+                <a:endParaRPr lang="en-US" altLang="zh-CN" sz="2800" dirty="0"/>
               </a:p>
               <a:p>
                 <a:pPr lvl="1"/>
-                <a:endParaRPr lang="en-US" altLang="zh-CN" i="1" dirty="0">
+                <a:endParaRPr lang="en-US" altLang="zh-CN" sz="2400" i="1" dirty="0">
                   <a:latin typeface="Cambria Math" panose="02040503050406030204" pitchFamily="18" charset="0"/>
                 </a:endParaRPr>
               </a:p>
@@ -4220,13 +4374,13 @@
                 <a14:m>
                   <m:oMath xmlns:m="http://schemas.openxmlformats.org/officeDocument/2006/math">
                     <m:r>
-                      <a:rPr lang="en-US" altLang="zh-CN" i="1" dirty="0" smtClean="0">
+                      <a:rPr lang="en-US" altLang="zh-CN" sz="2400" i="1" dirty="0" smtClean="0">
                         <a:latin typeface="Cambria Math" panose="02040503050406030204" pitchFamily="18" charset="0"/>
                       </a:rPr>
                       <m:t>𝜌</m:t>
                     </m:r>
                     <m:r>
-                      <a:rPr lang="en-US" altLang="zh-CN" i="1" dirty="0" smtClean="0">
+                      <a:rPr lang="en-US" altLang="zh-CN" sz="2400" i="1" dirty="0" smtClean="0">
                         <a:latin typeface="Cambria Math" panose="02040503050406030204" pitchFamily="18" charset="0"/>
                       </a:rPr>
                       <m:t>(·)</m:t>
@@ -4234,13 +4388,13 @@
                   </m:oMath>
                 </a14:m>
                 <a:r>
-                  <a:rPr lang="zh-CN" altLang="en-US" dirty="0"/>
+                  <a:rPr lang="zh-CN" altLang="en-US" sz="2400" dirty="0"/>
                   <a:t>是一个稀疏性衡量函数，</a:t>
                 </a:r>
                 <a14:m>
                   <m:oMath xmlns:m="http://schemas.openxmlformats.org/officeDocument/2006/math">
                     <m:r>
-                      <a:rPr lang="en-US" altLang="zh-CN" i="1" dirty="0" smtClean="0">
+                      <a:rPr lang="en-US" altLang="zh-CN" sz="2400" i="1" dirty="0" smtClean="0">
                         <a:latin typeface="Cambria Math" panose="02040503050406030204" pitchFamily="18" charset="0"/>
                       </a:rPr>
                       <m:t>𝜂</m:t>
@@ -4248,14 +4402,14 @@
                   </m:oMath>
                 </a14:m>
                 <a:r>
-                  <a:rPr lang="zh-CN" altLang="en-US" dirty="0"/>
+                  <a:rPr lang="zh-CN" altLang="en-US" sz="2400" dirty="0"/>
                   <a:t>是一个超参数，用来控制稀疏性的强度。</a:t>
                 </a:r>
               </a:p>
             </p:txBody>
           </p:sp>
         </mc:Choice>
-        <mc:Fallback xmlns="">
+        <mc:Fallback>
           <p:sp>
             <p:nvSpPr>
               <p:cNvPr id="3" name="内容占位符 2">
@@ -4274,9 +4428,9 @@
             </p:nvSpPr>
             <p:spPr>
               <a:blipFill>
-                <a:blip r:embed="rId5"/>
+                <a:blip r:embed="rId3"/>
                 <a:stretch>
-                  <a:fillRect l="-389" t="-1084"/>
+                  <a:fillRect l="-556" t="-1466"/>
                 </a:stretch>
               </a:blipFill>
             </p:spPr>
@@ -4310,7 +4464,7 @@
           <p:nvPr/>
         </p:nvPicPr>
         <p:blipFill>
-          <a:blip r:embed="rId6">
+          <a:blip r:embed="rId4">
             <a:extLst>
               <a:ext uri="{28A0092B-C50C-407E-A947-70E740481C1C}">
                 <a14:useLocalDpi xmlns:a14="http://schemas.microsoft.com/office/drawing/2010/main" val="0"/>
@@ -4323,7 +4477,7 @@
         </p:blipFill>
         <p:spPr>
           <a:xfrm>
-            <a:off x="1905000" y="4336216"/>
+            <a:off x="2133600" y="4927323"/>
             <a:ext cx="1981200" cy="906550"/>
           </a:xfrm>
           <a:prstGeom prst="rect">
@@ -4351,7 +4505,7 @@
           <p:nvPr/>
         </p:nvPicPr>
         <p:blipFill>
-          <a:blip r:embed="rId7">
+          <a:blip r:embed="rId5">
             <a:extLst>
               <a:ext uri="{28A0092B-C50C-407E-A947-70E740481C1C}">
                 <a14:useLocalDpi xmlns:a14="http://schemas.microsoft.com/office/drawing/2010/main" val="0"/>
@@ -4364,7 +4518,7 @@
         </p:blipFill>
         <p:spPr>
           <a:xfrm>
-            <a:off x="1905000" y="3229963"/>
+            <a:off x="2133600" y="3821070"/>
             <a:ext cx="2511845" cy="914400"/>
           </a:xfrm>
           <a:prstGeom prst="rect">
@@ -4392,7 +4546,7 @@
           <p:nvPr/>
         </p:nvPicPr>
         <p:blipFill>
-          <a:blip r:embed="rId8">
+          <a:blip r:embed="rId6">
             <a:extLst>
               <a:ext uri="{28A0092B-C50C-407E-A947-70E740481C1C}">
                 <a14:useLocalDpi xmlns:a14="http://schemas.microsoft.com/office/drawing/2010/main" val="0"/>
@@ -4405,7 +4559,7 @@
         </p:blipFill>
         <p:spPr>
           <a:xfrm>
-            <a:off x="6646428" y="4313852"/>
+            <a:off x="6875028" y="4904959"/>
             <a:ext cx="2390155" cy="986414"/>
           </a:xfrm>
           <a:prstGeom prst="rect">
@@ -4433,7 +4587,7 @@
           <p:nvPr/>
         </p:nvPicPr>
         <p:blipFill>
-          <a:blip r:embed="rId9">
+          <a:blip r:embed="rId7">
             <a:extLst>
               <a:ext uri="{28A0092B-C50C-407E-A947-70E740481C1C}">
                 <a14:useLocalDpi xmlns:a14="http://schemas.microsoft.com/office/drawing/2010/main" val="0"/>
@@ -4446,7 +4600,7 @@
         </p:blipFill>
         <p:spPr>
           <a:xfrm>
-            <a:off x="6629400" y="3335860"/>
+            <a:off x="6858000" y="3926967"/>
             <a:ext cx="2340160" cy="906549"/>
           </a:xfrm>
           <a:prstGeom prst="rect">
@@ -4474,7 +4628,7 @@
           <p:nvPr/>
         </p:nvPicPr>
         <p:blipFill>
-          <a:blip r:embed="rId10">
+          <a:blip r:embed="rId8">
             <a:extLst>
               <a:ext uri="{28A0092B-C50C-407E-A947-70E740481C1C}">
                 <a14:useLocalDpi xmlns:a14="http://schemas.microsoft.com/office/drawing/2010/main" val="0"/>
@@ -4487,7 +4641,7 @@
         </p:blipFill>
         <p:spPr>
           <a:xfrm>
-            <a:off x="3733800" y="1615234"/>
+            <a:off x="3810000" y="1865202"/>
             <a:ext cx="3505292" cy="740248"/>
           </a:xfrm>
           <a:prstGeom prst="rect">
@@ -5160,7 +5314,7 @@
         </p:blipFill>
         <p:spPr>
           <a:xfrm>
-            <a:off x="1676400" y="3505200"/>
+            <a:off x="1676400" y="4187192"/>
             <a:ext cx="2936473" cy="1604009"/>
           </a:xfrm>
           <a:prstGeom prst="rect">
@@ -5234,8 +5388,8 @@
           <a:chExt cx="0" cy="0"/>
         </a:xfrm>
       </p:grpSpPr>
-      <mc:AlternateContent xmlns:mc="http://schemas.openxmlformats.org/markup-compatibility/2006" xmlns:a14="http://schemas.microsoft.com/office/drawing/2010/main">
-        <mc:Choice Requires="a14">
+      <mc:AlternateContent xmlns:mc="http://schemas.openxmlformats.org/markup-compatibility/2006">
+        <mc:Choice xmlns:a14="http://schemas.microsoft.com/office/drawing/2010/main" Requires="a14">
           <p:sp>
             <p:nvSpPr>
               <p:cNvPr id="3" name="内容占位符 2">
@@ -5318,7 +5472,7 @@
             </p:txBody>
           </p:sp>
         </mc:Choice>
-        <mc:Fallback xmlns="">
+        <mc:Fallback>
           <p:sp>
             <p:nvSpPr>
               <p:cNvPr id="3" name="内容占位符 2">
@@ -5337,9 +5491,9 @@
             </p:nvSpPr>
             <p:spPr>
               <a:blipFill>
-                <a:blip r:embed="rId4"/>
+                <a:blip r:embed="rId2"/>
                 <a:stretch>
-                  <a:fillRect l="-778" t="-1084"/>
+                  <a:fillRect l="-1556" t="-1647" r="-1444" b="-2471"/>
                 </a:stretch>
               </a:blipFill>
             </p:spPr>
@@ -5433,7 +5587,7 @@
           <p:nvPr/>
         </p:nvPicPr>
         <p:blipFill>
-          <a:blip r:embed="rId5">
+          <a:blip r:embed="rId3">
             <a:extLst>
               <a:ext uri="{28A0092B-C50C-407E-A947-70E740481C1C}">
                 <a14:useLocalDpi xmlns:a14="http://schemas.microsoft.com/office/drawing/2010/main" val="0"/>
@@ -5447,8 +5601,8 @@
         </p:blipFill>
         <p:spPr bwMode="auto">
           <a:xfrm>
-            <a:off x="7239000" y="2705100"/>
-            <a:ext cx="3512524" cy="3424238"/>
+            <a:off x="7467600" y="3347723"/>
+            <a:ext cx="2975462" cy="2900675"/>
           </a:xfrm>
           <a:prstGeom prst="rect">
             <a:avLst/>
@@ -5480,7 +5634,7 @@
           <p:nvPr/>
         </p:nvPicPr>
         <p:blipFill>
-          <a:blip r:embed="rId6">
+          <a:blip r:embed="rId4">
             <a:extLst>
               <a:ext uri="{28A0092B-C50C-407E-A947-70E740481C1C}">
                 <a14:useLocalDpi xmlns:a14="http://schemas.microsoft.com/office/drawing/2010/main" val="0"/>
@@ -5493,7 +5647,7 @@
         </p:blipFill>
         <p:spPr>
           <a:xfrm>
-            <a:off x="1066800" y="3094787"/>
+            <a:off x="1177636" y="4343400"/>
             <a:ext cx="4350327" cy="838200"/>
           </a:xfrm>
           <a:prstGeom prst="rect">
@@ -6038,8 +6192,8 @@
         </p:blipFill>
         <p:spPr>
           <a:xfrm>
-            <a:off x="4267200" y="2514600"/>
-            <a:ext cx="2514600" cy="693364"/>
+            <a:off x="4267200" y="3276600"/>
+            <a:ext cx="3592576" cy="990600"/>
           </a:xfrm>
           <a:prstGeom prst="rect">
             <a:avLst/>
@@ -6449,9 +6603,10 @@
           <a:lstStyle/>
           <a:p>
             <a:r>
-              <a:rPr lang="zh-CN" altLang="en-US" dirty="0"/>
+              <a:rPr lang="zh-CN" altLang="en-US"/>
               <a:t>内容</a:t>
             </a:r>
+            <a:endParaRPr lang="zh-CN" altLang="en-US" dirty="0"/>
           </a:p>
         </p:txBody>
       </p:sp>
@@ -6483,6 +6638,7 @@
             <a:endParaRPr lang="en-US" altLang="zh-CN" dirty="0"/>
           </a:p>
           <a:p>
+            <a:pPr lvl="1"/>
             <a:r>
               <a:rPr lang="zh-CN" altLang="en-US" dirty="0"/>
               <a:t>无监督特征学习</a:t>
@@ -6490,7 +6646,7 @@
             <a:endParaRPr lang="en-US" altLang="zh-CN" dirty="0"/>
           </a:p>
           <a:p>
-            <a:pPr lvl="1"/>
+            <a:pPr lvl="2"/>
             <a:r>
               <a:rPr lang="zh-CN" altLang="en-US" dirty="0"/>
               <a:t>主成分分析</a:t>
@@ -6498,7 +6654,7 @@
             <a:endParaRPr lang="en-US" altLang="zh-CN" dirty="0"/>
           </a:p>
           <a:p>
-            <a:pPr lvl="1"/>
+            <a:pPr lvl="2"/>
             <a:r>
               <a:rPr lang="zh-CN" altLang="en-US" dirty="0"/>
               <a:t>稀疏编码</a:t>
@@ -6506,7 +6662,7 @@
             <a:endParaRPr lang="en-US" altLang="zh-CN" dirty="0"/>
           </a:p>
           <a:p>
-            <a:pPr lvl="1"/>
+            <a:pPr lvl="2"/>
             <a:r>
               <a:rPr lang="zh-CN" altLang="en-US" dirty="0"/>
               <a:t>自编码器</a:t>
@@ -6514,7 +6670,7 @@
             <a:endParaRPr lang="en-US" altLang="zh-CN" dirty="0"/>
           </a:p>
           <a:p>
-            <a:pPr lvl="1"/>
+            <a:pPr lvl="2"/>
             <a:r>
               <a:rPr lang="zh-CN" altLang="en-US" dirty="0"/>
               <a:t>稀疏自编码器</a:t>
@@ -6522,7 +6678,7 @@
             <a:endParaRPr lang="en-US" altLang="zh-CN" dirty="0"/>
           </a:p>
           <a:p>
-            <a:pPr lvl="1"/>
+            <a:pPr lvl="2"/>
             <a:r>
               <a:rPr lang="zh-CN" altLang="en-US" dirty="0"/>
               <a:t>降噪自编码器</a:t>
@@ -6530,6 +6686,7 @@
             <a:endParaRPr lang="en-US" altLang="zh-CN" dirty="0"/>
           </a:p>
           <a:p>
+            <a:pPr lvl="1"/>
             <a:r>
               <a:rPr lang="zh-CN" altLang="en-US" dirty="0"/>
               <a:t>概率密度估计</a:t>
@@ -6537,7 +6694,7 @@
             <a:endParaRPr lang="en-US" altLang="zh-CN" dirty="0"/>
           </a:p>
           <a:p>
-            <a:pPr lvl="1"/>
+            <a:pPr lvl="2"/>
             <a:r>
               <a:rPr lang="zh-CN" altLang="en-US" dirty="0"/>
               <a:t>参数密度估计</a:t>
@@ -6545,7 +6702,7 @@
             <a:endParaRPr lang="en-US" altLang="zh-CN" dirty="0"/>
           </a:p>
           <a:p>
-            <a:pPr lvl="1"/>
+            <a:pPr lvl="2"/>
             <a:r>
               <a:rPr lang="zh-CN" altLang="en-US" dirty="0"/>
               <a:t>非参数密度估计</a:t>
@@ -6553,7 +6710,7 @@
             <a:endParaRPr lang="en-US" altLang="zh-CN" dirty="0"/>
           </a:p>
           <a:p>
-            <a:pPr lvl="2"/>
+            <a:pPr lvl="3"/>
             <a:r>
               <a:rPr lang="zh-CN" altLang="en-US" dirty="0"/>
               <a:t>核方法</a:t>
@@ -6561,7 +6718,7 @@
             <a:endParaRPr lang="en-US" altLang="zh-CN" dirty="0"/>
           </a:p>
           <a:p>
-            <a:pPr lvl="2"/>
+            <a:pPr lvl="3"/>
             <a:r>
               <a:rPr lang="en-US" altLang="zh-CN" dirty="0"/>
               <a:t>K</a:t>
@@ -6747,8 +6904,8 @@
           <a:chExt cx="0" cy="0"/>
         </a:xfrm>
       </p:grpSpPr>
-      <mc:AlternateContent xmlns:mc="http://schemas.openxmlformats.org/markup-compatibility/2006" xmlns:a14="http://schemas.microsoft.com/office/drawing/2010/main">
-        <mc:Choice Requires="a14">
+      <mc:AlternateContent xmlns:mc="http://schemas.openxmlformats.org/markup-compatibility/2006">
+        <mc:Choice xmlns:a14="http://schemas.microsoft.com/office/drawing/2010/main" Requires="a14">
           <p:sp>
             <p:nvSpPr>
               <p:cNvPr id="3" name="内容占位符 2">
@@ -6771,19 +6928,19 @@
               <a:lstStyle/>
               <a:p>
                 <a:r>
-                  <a:rPr lang="zh-CN" altLang="en-US" dirty="0"/>
+                  <a:rPr lang="zh-CN" altLang="en-US" sz="2400" dirty="0"/>
                   <a:t>对于高维空间中的一个随机向量</a:t>
                 </a:r>
                 <a14:m>
                   <m:oMath xmlns:m="http://schemas.openxmlformats.org/officeDocument/2006/math">
                     <m:r>
-                      <a:rPr lang="en-US" altLang="zh-CN" b="1" i="1" dirty="0">
+                      <a:rPr lang="en-US" altLang="zh-CN" sz="2400" b="1" i="1" dirty="0">
                         <a:latin typeface="Cambria Math" panose="02040503050406030204" pitchFamily="18" charset="0"/>
                       </a:rPr>
                       <m:t>𝒙</m:t>
                     </m:r>
                     <m:r>
-                      <a:rPr lang="en-US" altLang="zh-CN" b="1" i="1" dirty="0">
+                      <a:rPr lang="en-US" altLang="zh-CN" sz="2400" b="1" i="1" dirty="0">
                         <a:latin typeface="Cambria Math" panose="02040503050406030204" pitchFamily="18" charset="0"/>
                       </a:rPr>
                       <m:t> </m:t>
@@ -6791,31 +6948,31 @@
                   </m:oMath>
                 </a14:m>
                 <a:r>
-                  <a:rPr lang="zh-CN" altLang="en-US" dirty="0"/>
+                  <a:rPr lang="zh-CN" altLang="en-US" sz="2400" dirty="0"/>
                   <a:t>，假设其服从一个未知分布</a:t>
                 </a:r>
                 <a14:m>
                   <m:oMath xmlns:m="http://schemas.openxmlformats.org/officeDocument/2006/math">
                     <m:r>
-                      <a:rPr lang="en-US" altLang="zh-CN" i="1" dirty="0">
+                      <a:rPr lang="en-US" altLang="zh-CN" sz="2400" i="1" dirty="0">
                         <a:latin typeface="Cambria Math" panose="02040503050406030204" pitchFamily="18" charset="0"/>
                       </a:rPr>
                       <m:t>𝑝</m:t>
                     </m:r>
                     <m:r>
-                      <a:rPr lang="en-US" altLang="zh-CN" i="1" dirty="0">
+                      <a:rPr lang="en-US" altLang="zh-CN" sz="2400" i="1" dirty="0">
                         <a:latin typeface="Cambria Math" panose="02040503050406030204" pitchFamily="18" charset="0"/>
                       </a:rPr>
                       <m:t>(</m:t>
                     </m:r>
                     <m:r>
-                      <a:rPr lang="en-US" altLang="zh-CN" b="1" i="1" dirty="0" err="1">
+                      <a:rPr lang="en-US" altLang="zh-CN" sz="2400" b="1" i="1" dirty="0" err="1">
                         <a:latin typeface="Cambria Math" panose="02040503050406030204" pitchFamily="18" charset="0"/>
                       </a:rPr>
                       <m:t>𝒙</m:t>
                     </m:r>
                     <m:r>
-                      <a:rPr lang="en-US" altLang="zh-CN" i="1" dirty="0">
+                      <a:rPr lang="en-US" altLang="zh-CN" sz="2400" i="1" dirty="0">
                         <a:latin typeface="Cambria Math" panose="02040503050406030204" pitchFamily="18" charset="0"/>
                       </a:rPr>
                       <m:t>) </m:t>
@@ -6823,13 +6980,13 @@
                   </m:oMath>
                 </a14:m>
                 <a:r>
-                  <a:rPr lang="zh-CN" altLang="en-US" dirty="0"/>
+                  <a:rPr lang="zh-CN" altLang="en-US" sz="2400" dirty="0"/>
                   <a:t>，则</a:t>
                 </a:r>
                 <a14:m>
                   <m:oMath xmlns:m="http://schemas.openxmlformats.org/officeDocument/2006/math">
                     <m:r>
-                      <a:rPr lang="en-US" altLang="zh-CN" b="1" i="1" dirty="0">
+                      <a:rPr lang="en-US" altLang="zh-CN" sz="2400" b="1" i="1" dirty="0">
                         <a:latin typeface="Cambria Math" panose="02040503050406030204" pitchFamily="18" charset="0"/>
                       </a:rPr>
                       <m:t>𝒙</m:t>
@@ -6837,20 +6994,20 @@
                   </m:oMath>
                 </a14:m>
                 <a:r>
-                  <a:rPr lang="zh-CN" altLang="en-US" dirty="0"/>
+                  <a:rPr lang="zh-CN" altLang="en-US" sz="2400" dirty="0"/>
                   <a:t>落入空间中的小区域</a:t>
                 </a:r>
                 <a14:m>
                   <m:oMath xmlns:m="http://schemas.openxmlformats.org/officeDocument/2006/math">
                     <m:r>
-                      <a:rPr lang="en-US" altLang="zh-CN" b="1" i="1" dirty="0" smtClean="0">
+                      <a:rPr lang="en-US" altLang="zh-CN" sz="2400" b="1" i="1" dirty="0" smtClean="0">
                         <a:latin typeface="Cambria Math" panose="02040503050406030204" pitchFamily="18" charset="0"/>
                         <a:ea typeface="Cambria Math" panose="02040503050406030204" pitchFamily="18" charset="0"/>
                       </a:rPr>
                       <m:t>ℛ</m:t>
                     </m:r>
                     <m:r>
-                      <a:rPr lang="en-US" altLang="zh-CN" b="1" i="1" dirty="0">
+                      <a:rPr lang="en-US" altLang="zh-CN" sz="2400" b="1" i="1" dirty="0">
                         <a:latin typeface="Cambria Math" panose="02040503050406030204" pitchFamily="18" charset="0"/>
                       </a:rPr>
                       <m:t> </m:t>
@@ -6858,29 +7015,29 @@
                   </m:oMath>
                 </a14:m>
                 <a:r>
-                  <a:rPr lang="zh-CN" altLang="en-US" dirty="0"/>
+                  <a:rPr lang="zh-CN" altLang="en-US" sz="2400" dirty="0"/>
                   <a:t>的概率为</a:t>
                 </a:r>
-                <a:endParaRPr lang="en-US" altLang="zh-CN" dirty="0"/>
+                <a:endParaRPr lang="en-US" altLang="zh-CN" sz="2400" dirty="0"/>
               </a:p>
               <a:p>
-                <a:endParaRPr lang="en-US" altLang="zh-CN" dirty="0"/>
+                <a:endParaRPr lang="en-US" altLang="zh-CN" sz="2400" dirty="0"/>
               </a:p>
               <a:p>
-                <a:endParaRPr lang="en-US" altLang="zh-CN" dirty="0"/>
+                <a:endParaRPr lang="en-US" altLang="zh-CN" sz="2400" dirty="0"/>
               </a:p>
               <a:p>
-                <a:endParaRPr lang="en-US" altLang="zh-CN" dirty="0"/>
+                <a:endParaRPr lang="en-US" altLang="zh-CN" sz="2400" dirty="0"/>
               </a:p>
               <a:p>
                 <a:r>
-                  <a:rPr lang="zh-CN" altLang="en-US" dirty="0"/>
+                  <a:rPr lang="zh-CN" altLang="en-US" sz="2400" dirty="0"/>
                   <a:t>给定</a:t>
                 </a:r>
                 <a14:m>
                   <m:oMath xmlns:m="http://schemas.openxmlformats.org/officeDocument/2006/math">
                     <m:r>
-                      <a:rPr lang="en-US" altLang="zh-CN" i="1" dirty="0">
+                      <a:rPr lang="en-US" altLang="zh-CN" sz="2400" i="1" dirty="0">
                         <a:latin typeface="Cambria Math" panose="02040503050406030204" pitchFamily="18" charset="0"/>
                       </a:rPr>
                       <m:t>𝑁</m:t>
@@ -6888,23 +7045,23 @@
                   </m:oMath>
                 </a14:m>
                 <a:r>
-                  <a:rPr lang="en-US" altLang="zh-CN" dirty="0"/>
+                  <a:rPr lang="en-US" altLang="zh-CN" sz="2400" dirty="0"/>
                   <a:t> </a:t>
                 </a:r>
                 <a:r>
-                  <a:rPr lang="zh-CN" altLang="en-US" dirty="0"/>
+                  <a:rPr lang="zh-CN" altLang="en-US" sz="2400" dirty="0"/>
                   <a:t>个训练样本</a:t>
                 </a:r>
                 <a14:m>
                   <m:oMath xmlns:m="http://schemas.openxmlformats.org/officeDocument/2006/math">
                     <m:r>
-                      <a:rPr lang="en-US" altLang="zh-CN" i="1" dirty="0">
+                      <a:rPr lang="en-US" altLang="zh-CN" sz="2400" i="1" dirty="0">
                         <a:latin typeface="Cambria Math" panose="02040503050406030204" pitchFamily="18" charset="0"/>
                       </a:rPr>
                       <m:t>𝐷</m:t>
                     </m:r>
                     <m:r>
-                      <a:rPr lang="en-US" altLang="zh-CN" i="1" dirty="0">
+                      <a:rPr lang="en-US" altLang="zh-CN" sz="2400" i="1" dirty="0">
                         <a:latin typeface="Cambria Math" panose="02040503050406030204" pitchFamily="18" charset="0"/>
                       </a:rPr>
                       <m:t>= </m:t>
@@ -6912,7 +7069,7 @@
                     <m:sSubSup>
                       <m:sSubSupPr>
                         <m:ctrlPr>
-                          <a:rPr lang="en-US" altLang="zh-CN" i="1" dirty="0">
+                          <a:rPr lang="en-US" altLang="zh-CN" sz="2400" i="1" dirty="0">
                             <a:latin typeface="Cambria Math" panose="02040503050406030204" pitchFamily="18" charset="0"/>
                           </a:rPr>
                         </m:ctrlPr>
@@ -6923,7 +7080,7 @@
                             <m:begChr m:val="{"/>
                             <m:endChr m:val="}"/>
                             <m:ctrlPr>
-                              <a:rPr lang="en-US" altLang="zh-CN" i="1" dirty="0">
+                              <a:rPr lang="en-US" altLang="zh-CN" sz="2400" i="1" dirty="0">
                                 <a:latin typeface="Cambria Math" panose="02040503050406030204" pitchFamily="18" charset="0"/>
                               </a:rPr>
                             </m:ctrlPr>
@@ -6932,14 +7089,14 @@
                             <m:sSup>
                               <m:sSupPr>
                                 <m:ctrlPr>
-                                  <a:rPr lang="en-US" altLang="zh-CN" i="1" dirty="0">
+                                  <a:rPr lang="en-US" altLang="zh-CN" sz="2400" i="1" dirty="0">
                                     <a:latin typeface="Cambria Math" panose="02040503050406030204" pitchFamily="18" charset="0"/>
                                   </a:rPr>
                                 </m:ctrlPr>
                               </m:sSupPr>
                               <m:e>
                                 <m:r>
-                                  <a:rPr lang="en-US" altLang="zh-CN" b="1" i="1" dirty="0">
+                                  <a:rPr lang="en-US" altLang="zh-CN" sz="2400" b="1" i="1" dirty="0">
                                     <a:latin typeface="Cambria Math" panose="02040503050406030204" pitchFamily="18" charset="0"/>
                                   </a:rPr>
                                   <m:t>𝒙</m:t>
@@ -6949,14 +7106,14 @@
                                 <m:d>
                                   <m:dPr>
                                     <m:ctrlPr>
-                                      <a:rPr lang="en-US" altLang="zh-CN" i="1" dirty="0">
+                                      <a:rPr lang="en-US" altLang="zh-CN" sz="2400" i="1" dirty="0">
                                         <a:latin typeface="Cambria Math" panose="02040503050406030204" pitchFamily="18" charset="0"/>
                                       </a:rPr>
                                     </m:ctrlPr>
                                   </m:dPr>
                                   <m:e>
                                     <m:r>
-                                      <a:rPr lang="en-US" altLang="zh-CN" i="1" dirty="0">
+                                      <a:rPr lang="en-US" altLang="zh-CN" sz="2400" i="1" dirty="0">
                                         <a:latin typeface="Cambria Math" panose="02040503050406030204" pitchFamily="18" charset="0"/>
                                       </a:rPr>
                                       <m:t>𝑛</m:t>
@@ -6970,13 +7127,13 @@
                       </m:e>
                       <m:sub>
                         <m:r>
-                          <a:rPr lang="en-US" altLang="zh-CN" b="0" i="1" dirty="0" smtClean="0">
+                          <a:rPr lang="en-US" altLang="zh-CN" sz="2400" b="0" i="1" dirty="0" smtClean="0">
                             <a:latin typeface="Cambria Math" panose="02040503050406030204" pitchFamily="18" charset="0"/>
                           </a:rPr>
                           <m:t>𝑛</m:t>
                         </m:r>
                         <m:r>
-                          <a:rPr lang="en-US" altLang="zh-CN" i="1" dirty="0">
+                          <a:rPr lang="en-US" altLang="zh-CN" sz="2400" i="1" dirty="0">
                             <a:latin typeface="Cambria Math" panose="02040503050406030204" pitchFamily="18" charset="0"/>
                           </a:rPr>
                           <m:t>=1</m:t>
@@ -6984,7 +7141,7 @@
                       </m:sub>
                       <m:sup>
                         <m:r>
-                          <a:rPr lang="en-US" altLang="zh-CN" i="1" dirty="0">
+                          <a:rPr lang="en-US" altLang="zh-CN" sz="2400" i="1" dirty="0">
                             <a:latin typeface="Cambria Math" panose="02040503050406030204" pitchFamily="18" charset="0"/>
                           </a:rPr>
                           <m:t>𝑁</m:t>
@@ -6994,38 +7151,38 @@
                   </m:oMath>
                 </a14:m>
                 <a:r>
-                  <a:rPr lang="en-US" altLang="zh-CN" dirty="0"/>
+                  <a:rPr lang="en-US" altLang="zh-CN" sz="2400" dirty="0"/>
                   <a:t>,</a:t>
                 </a:r>
                 <a:r>
-                  <a:rPr lang="zh-CN" altLang="en-US" dirty="0"/>
+                  <a:rPr lang="zh-CN" altLang="en-US" sz="2400" dirty="0"/>
                   <a:t>落入区域</a:t>
                 </a:r>
                 <a:r>
-                  <a:rPr lang="en-US" altLang="zh-CN" dirty="0"/>
+                  <a:rPr lang="en-US" altLang="zh-CN" sz="2400" dirty="0"/>
                   <a:t>R</a:t>
                 </a:r>
                 <a:r>
-                  <a:rPr lang="zh-CN" altLang="en-US" dirty="0"/>
+                  <a:rPr lang="zh-CN" altLang="en-US" sz="2400" dirty="0"/>
                   <a:t>的样本数量</a:t>
                 </a:r>
                 <a:r>
-                  <a:rPr lang="en-US" altLang="zh-CN" dirty="0"/>
+                  <a:rPr lang="en-US" altLang="zh-CN" sz="2400" dirty="0"/>
                   <a:t>K</a:t>
                 </a:r>
                 <a:r>
-                  <a:rPr lang="zh-CN" altLang="en-US" dirty="0"/>
+                  <a:rPr lang="zh-CN" altLang="en-US" sz="2400" dirty="0"/>
                   <a:t>服从二项分布</a:t>
                 </a:r>
-                <a:endParaRPr lang="en-US" altLang="zh-CN" dirty="0"/>
+                <a:endParaRPr lang="en-US" altLang="zh-CN" sz="2400" dirty="0"/>
               </a:p>
               <a:p>
-                <a:endParaRPr lang="zh-CN" altLang="en-US" dirty="0"/>
+                <a:endParaRPr lang="zh-CN" altLang="en-US" sz="2400" dirty="0"/>
               </a:p>
             </p:txBody>
           </p:sp>
         </mc:Choice>
-        <mc:Fallback xmlns="">
+        <mc:Fallback>
           <p:sp>
             <p:nvSpPr>
               <p:cNvPr id="3" name="内容占位符 2">
@@ -7044,9 +7201,9 @@
             </p:nvSpPr>
             <p:spPr>
               <a:blipFill>
-                <a:blip r:embed="rId4"/>
+                <a:blip r:embed="rId2"/>
                 <a:stretch>
-                  <a:fillRect l="-778" t="-964" r="-1111"/>
+                  <a:fillRect l="-778" t="-941" r="-1111"/>
                 </a:stretch>
               </a:blipFill>
             </p:spPr>
@@ -7087,61 +7244,61 @@
           <a:lstStyle/>
           <a:p>
             <a:r>
-              <a:rPr lang="zh-CN" altLang="en-US" dirty="0"/>
+              <a:rPr lang="zh-CN" altLang="en-US" sz="2400" dirty="0"/>
               <a:t>当</a:t>
             </a:r>
             <a:r>
-              <a:rPr lang="en-US" altLang="zh-CN" dirty="0"/>
+              <a:rPr lang="en-US" altLang="zh-CN" sz="2400" dirty="0"/>
               <a:t>N </a:t>
             </a:r>
             <a:r>
-              <a:rPr lang="zh-CN" altLang="en-US" dirty="0"/>
+              <a:rPr lang="zh-CN" altLang="en-US" sz="2400" dirty="0"/>
               <a:t>非常大时，我们可以近似认为</a:t>
             </a:r>
-            <a:endParaRPr lang="en-US" altLang="zh-CN" dirty="0"/>
-          </a:p>
-          <a:p>
-            <a:endParaRPr lang="en-US" altLang="zh-CN" dirty="0"/>
-          </a:p>
-          <a:p>
-            <a:endParaRPr lang="en-US" altLang="zh-CN" dirty="0"/>
-          </a:p>
-          <a:p>
-            <a:r>
-              <a:rPr lang="zh-CN" altLang="en-US" dirty="0"/>
+            <a:endParaRPr lang="en-US" altLang="zh-CN" sz="2400" dirty="0"/>
+          </a:p>
+          <a:p>
+            <a:endParaRPr lang="en-US" altLang="zh-CN" sz="2400" dirty="0"/>
+          </a:p>
+          <a:p>
+            <a:endParaRPr lang="en-US" altLang="zh-CN" sz="2400" dirty="0"/>
+          </a:p>
+          <a:p>
+            <a:r>
+              <a:rPr lang="zh-CN" altLang="en-US" sz="2400" dirty="0"/>
               <a:t>假设区域</a:t>
             </a:r>
             <a:r>
-              <a:rPr lang="en-US" altLang="zh-CN" dirty="0"/>
+              <a:rPr lang="en-US" altLang="zh-CN" sz="2400" dirty="0"/>
               <a:t>R</a:t>
             </a:r>
             <a:r>
-              <a:rPr lang="zh-CN" altLang="en-US" dirty="0"/>
+              <a:rPr lang="zh-CN" altLang="en-US" sz="2400" dirty="0"/>
               <a:t>足够小，其内部的概率密度是相同的，则有</a:t>
             </a:r>
-            <a:endParaRPr lang="en-US" altLang="zh-CN" dirty="0"/>
-          </a:p>
-          <a:p>
-            <a:endParaRPr lang="en-US" altLang="zh-CN" dirty="0"/>
-          </a:p>
-          <a:p>
-            <a:endParaRPr lang="en-US" altLang="zh-CN" dirty="0"/>
-          </a:p>
-          <a:p>
-            <a:r>
-              <a:rPr lang="zh-CN" altLang="en-US" dirty="0"/>
+            <a:endParaRPr lang="en-US" altLang="zh-CN" sz="2400" dirty="0"/>
+          </a:p>
+          <a:p>
+            <a:endParaRPr lang="en-US" altLang="zh-CN" sz="2400" dirty="0"/>
+          </a:p>
+          <a:p>
+            <a:endParaRPr lang="en-US" altLang="zh-CN" sz="2400" dirty="0"/>
+          </a:p>
+          <a:p>
+            <a:r>
+              <a:rPr lang="zh-CN" altLang="en-US" sz="2400" dirty="0"/>
               <a:t>结合上述两个公式，得到</a:t>
             </a:r>
-            <a:endParaRPr lang="en-US" altLang="zh-CN" dirty="0"/>
-          </a:p>
-          <a:p>
-            <a:endParaRPr lang="en-US" altLang="zh-CN" dirty="0"/>
-          </a:p>
-          <a:p>
-            <a:endParaRPr lang="en-US" altLang="zh-CN" dirty="0"/>
-          </a:p>
-          <a:p>
-            <a:endParaRPr lang="zh-CN" altLang="en-US" dirty="0"/>
+            <a:endParaRPr lang="en-US" altLang="zh-CN" sz="2400" dirty="0"/>
+          </a:p>
+          <a:p>
+            <a:endParaRPr lang="en-US" altLang="zh-CN" sz="2400" dirty="0"/>
+          </a:p>
+          <a:p>
+            <a:endParaRPr lang="en-US" altLang="zh-CN" sz="2400" dirty="0"/>
+          </a:p>
+          <a:p>
+            <a:endParaRPr lang="zh-CN" altLang="en-US" sz="2400" dirty="0"/>
           </a:p>
         </p:txBody>
       </p:sp>
@@ -7188,7 +7345,7 @@
           <p:nvPr/>
         </p:nvPicPr>
         <p:blipFill>
-          <a:blip r:embed="rId5">
+          <a:blip r:embed="rId3">
             <a:extLst>
               <a:ext uri="{28A0092B-C50C-407E-A947-70E740481C1C}">
                 <a14:useLocalDpi xmlns:a14="http://schemas.microsoft.com/office/drawing/2010/main" val="0"/>
@@ -7201,7 +7358,7 @@
         </p:blipFill>
         <p:spPr>
           <a:xfrm>
-            <a:off x="2286000" y="2438400"/>
+            <a:off x="2232039" y="2514600"/>
             <a:ext cx="1819301" cy="796401"/>
           </a:xfrm>
           <a:prstGeom prst="rect">
@@ -7224,7 +7381,7 @@
           <p:nvPr/>
         </p:nvPicPr>
         <p:blipFill>
-          <a:blip r:embed="rId6">
+          <a:blip r:embed="rId4">
             <a:extLst>
               <a:ext uri="{28A0092B-C50C-407E-A947-70E740481C1C}">
                 <a14:useLocalDpi xmlns:a14="http://schemas.microsoft.com/office/drawing/2010/main" val="0"/>
@@ -7260,7 +7417,7 @@
           <p:nvPr/>
         </p:nvPicPr>
         <p:blipFill>
-          <a:blip r:embed="rId7">
+          <a:blip r:embed="rId5">
             <a:extLst>
               <a:ext uri="{28A0092B-C50C-407E-A947-70E740481C1C}">
                 <a14:useLocalDpi xmlns:a14="http://schemas.microsoft.com/office/drawing/2010/main" val="0"/>
@@ -7296,7 +7453,7 @@
           <p:nvPr/>
         </p:nvPicPr>
         <p:blipFill>
-          <a:blip r:embed="rId8">
+          <a:blip r:embed="rId6">
             <a:extLst>
               <a:ext uri="{28A0092B-C50C-407E-A947-70E740481C1C}">
                 <a14:useLocalDpi xmlns:a14="http://schemas.microsoft.com/office/drawing/2010/main" val="0"/>
@@ -7332,7 +7489,7 @@
           <p:nvPr/>
         </p:nvPicPr>
         <p:blipFill>
-          <a:blip r:embed="rId9">
+          <a:blip r:embed="rId7">
             <a:extLst>
               <a:ext uri="{28A0092B-C50C-407E-A947-70E740481C1C}">
                 <a14:useLocalDpi xmlns:a14="http://schemas.microsoft.com/office/drawing/2010/main" val="0"/>
@@ -7505,7 +7662,7 @@
         </p:blipFill>
         <p:spPr>
           <a:xfrm>
-            <a:off x="2362200" y="2057400"/>
+            <a:off x="2286000" y="2362200"/>
             <a:ext cx="6954011" cy="990600"/>
           </a:xfrm>
           <a:prstGeom prst="rect">
@@ -7579,8 +7736,8 @@
           </a:p>
         </p:txBody>
       </p:sp>
-      <mc:AlternateContent xmlns:mc="http://schemas.openxmlformats.org/markup-compatibility/2006" xmlns:a14="http://schemas.microsoft.com/office/drawing/2010/main">
-        <mc:Choice Requires="a14">
+      <mc:AlternateContent xmlns:mc="http://schemas.openxmlformats.org/markup-compatibility/2006">
+        <mc:Choice xmlns:a14="http://schemas.microsoft.com/office/drawing/2010/main" Requires="a14">
           <p:sp>
             <p:nvSpPr>
               <p:cNvPr id="3" name="内容占位符 2">
@@ -7622,6 +7779,9 @@
                   <a:rPr lang="zh-CN" altLang="en-US" dirty="0"/>
                   <a:t>窗方法</a:t>
                 </a:r>
+                <a:endParaRPr lang="en-US" altLang="zh-CN" dirty="0"/>
+              </a:p>
+              <a:p>
                 <a:endParaRPr lang="en-US" altLang="zh-CN" dirty="0"/>
               </a:p>
               <a:p>
@@ -7723,7 +7883,7 @@
             </p:txBody>
           </p:sp>
         </mc:Choice>
-        <mc:Fallback xmlns="">
+        <mc:Fallback>
           <p:sp>
             <p:nvSpPr>
               <p:cNvPr id="3" name="内容占位符 2">
@@ -7742,9 +7902,9 @@
             </p:nvSpPr>
             <p:spPr>
               <a:blipFill>
-                <a:blip r:embed="rId5"/>
+                <a:blip r:embed="rId3"/>
                 <a:stretch>
-                  <a:fillRect l="-389" t="-843" r="-722"/>
+                  <a:fillRect l="-778" t="-1466" r="-444"/>
                 </a:stretch>
               </a:blipFill>
             </p:spPr>
@@ -7778,15 +7938,15 @@
           <p:nvPr/>
         </p:nvPicPr>
         <p:blipFill>
-          <a:blip r:embed="rId6"/>
+          <a:blip r:embed="rId4"/>
           <a:stretch>
             <a:fillRect/>
           </a:stretch>
         </p:blipFill>
         <p:spPr>
           <a:xfrm>
-            <a:off x="3657601" y="3352800"/>
-            <a:ext cx="4038600" cy="883638"/>
+            <a:off x="3733800" y="4191000"/>
+            <a:ext cx="4875728" cy="1066800"/>
           </a:xfrm>
           <a:prstGeom prst="rect">
             <a:avLst/>
@@ -7808,14 +7968,14 @@
           <p:nvPr/>
         </p:nvPicPr>
         <p:blipFill>
-          <a:blip r:embed="rId7"/>
+          <a:blip r:embed="rId5"/>
           <a:stretch>
             <a:fillRect/>
           </a:stretch>
         </p:blipFill>
         <p:spPr>
           <a:xfrm>
-            <a:off x="3794108" y="4944481"/>
+            <a:off x="4572000" y="5442136"/>
             <a:ext cx="3765586" cy="850528"/>
           </a:xfrm>
           <a:prstGeom prst="rect">
@@ -7838,7 +7998,7 @@
           <p:nvPr/>
         </p:nvPicPr>
         <p:blipFill>
-          <a:blip r:embed="rId8">
+          <a:blip r:embed="rId6">
             <a:extLst>
               <a:ext uri="{28A0092B-C50C-407E-A947-70E740481C1C}">
                 <a14:useLocalDpi xmlns:a14="http://schemas.microsoft.com/office/drawing/2010/main" val="0"/>
@@ -7852,8 +8012,8 @@
         </p:blipFill>
         <p:spPr bwMode="auto">
           <a:xfrm>
-            <a:off x="6804737" y="393767"/>
-            <a:ext cx="4815124" cy="1548040"/>
+            <a:off x="7010400" y="1668760"/>
+            <a:ext cx="4129324" cy="1327558"/>
           </a:xfrm>
           <a:prstGeom prst="rect">
             <a:avLst/>
@@ -9517,8 +9677,8 @@
           <a:chExt cx="0" cy="0"/>
         </a:xfrm>
       </p:grpSpPr>
-      <mc:AlternateContent xmlns:mc="http://schemas.openxmlformats.org/markup-compatibility/2006" xmlns:a14="http://schemas.microsoft.com/office/drawing/2010/main">
-        <mc:Choice Requires="a14">
+      <mc:AlternateContent xmlns:mc="http://schemas.openxmlformats.org/markup-compatibility/2006">
+        <mc:Choice xmlns:a14="http://schemas.microsoft.com/office/drawing/2010/main" Requires="a14">
           <p:sp>
             <p:nvSpPr>
               <p:cNvPr id="3" name="内容占位符 2">
@@ -9541,15 +9701,15 @@
               <a:lstStyle/>
               <a:p>
                 <a:r>
-                  <a:rPr lang="zh-CN" altLang="en-US" dirty="0"/>
+                  <a:rPr lang="zh-CN" altLang="en-US" sz="2400" dirty="0"/>
                   <a:t>一种最常用的数据降维方法，使得在转换后的空间中数据的方差最大。</a:t>
                 </a:r>
-                <a:endParaRPr lang="en-US" altLang="zh-CN" dirty="0"/>
+                <a:endParaRPr lang="en-US" altLang="zh-CN" sz="2400" dirty="0"/>
               </a:p>
               <a:p>
                 <a:pPr lvl="1"/>
                 <a:r>
-                  <a:rPr lang="zh-CN" altLang="en-US" dirty="0"/>
+                  <a:rPr lang="zh-CN" altLang="en-US" sz="2000" dirty="0"/>
                   <a:t>样本点 </a:t>
                 </a:r>
                 <a14:m>
@@ -9557,14 +9717,14 @@
                     <m:sSup>
                       <m:sSupPr>
                         <m:ctrlPr>
-                          <a:rPr lang="en-US" altLang="zh-CN" i="1" dirty="0" smtClean="0">
+                          <a:rPr lang="en-US" altLang="zh-CN" sz="2000" i="1" dirty="0" smtClean="0">
                             <a:latin typeface="Cambria Math" panose="02040503050406030204" pitchFamily="18" charset="0"/>
                           </a:rPr>
                         </m:ctrlPr>
                       </m:sSupPr>
                       <m:e>
                         <m:r>
-                          <a:rPr lang="en-US" altLang="zh-CN" dirty="0" smtClean="0">
+                          <a:rPr lang="en-US" altLang="zh-CN" sz="2000" dirty="0" smtClean="0">
                             <a:latin typeface="Cambria Math" panose="02040503050406030204" pitchFamily="18" charset="0"/>
                           </a:rPr>
                           <m:t>𝒙</m:t>
@@ -9572,19 +9732,19 @@
                       </m:e>
                       <m:sup>
                         <m:r>
-                          <a:rPr lang="en-US" altLang="zh-CN" dirty="0" smtClean="0">
+                          <a:rPr lang="en-US" altLang="zh-CN" sz="2000" dirty="0" smtClean="0">
                             <a:latin typeface="Cambria Math" panose="02040503050406030204" pitchFamily="18" charset="0"/>
                           </a:rPr>
                           <m:t>(</m:t>
                         </m:r>
                         <m:r>
-                          <a:rPr lang="en-US" altLang="zh-CN" dirty="0" smtClean="0">
+                          <a:rPr lang="en-US" altLang="zh-CN" sz="2000" dirty="0" smtClean="0">
                             <a:latin typeface="Cambria Math" panose="02040503050406030204" pitchFamily="18" charset="0"/>
                           </a:rPr>
                           <m:t>𝑛</m:t>
                         </m:r>
                         <m:r>
-                          <a:rPr lang="en-US" altLang="zh-CN" dirty="0" smtClean="0">
+                          <a:rPr lang="en-US" altLang="zh-CN" sz="2000" dirty="0" smtClean="0">
                             <a:latin typeface="Cambria Math" panose="02040503050406030204" pitchFamily="18" charset="0"/>
                           </a:rPr>
                           <m:t>)</m:t>
@@ -9594,58 +9754,58 @@
                   </m:oMath>
                 </a14:m>
                 <a:r>
-                  <a:rPr lang="zh-CN" altLang="en-US" dirty="0"/>
+                  <a:rPr lang="zh-CN" altLang="en-US" sz="2000" dirty="0"/>
                   <a:t>投影之后的表示为</a:t>
                 </a:r>
-                <a:endParaRPr lang="en-US" altLang="zh-CN" dirty="0"/>
+                <a:endParaRPr lang="en-US" altLang="zh-CN" sz="2000" dirty="0"/>
               </a:p>
               <a:p>
                 <a:pPr lvl="1"/>
-                <a:endParaRPr lang="en-US" altLang="zh-CN" dirty="0"/>
+                <a:endParaRPr lang="en-US" altLang="zh-CN" sz="2000" dirty="0"/>
               </a:p>
               <a:p>
                 <a:pPr lvl="1"/>
-                <a:endParaRPr lang="en-US" altLang="zh-CN" dirty="0"/>
+                <a:endParaRPr lang="en-US" altLang="zh-CN" sz="2000" dirty="0"/>
               </a:p>
               <a:p>
                 <a:pPr lvl="1"/>
                 <a:r>
-                  <a:rPr lang="zh-CN" altLang="en-US" dirty="0"/>
+                  <a:rPr lang="zh-CN" altLang="en-US" sz="2000" dirty="0"/>
                   <a:t>所有样本投影后的方差为</a:t>
                 </a:r>
-                <a:endParaRPr lang="en-US" altLang="zh-CN" dirty="0"/>
+                <a:endParaRPr lang="en-US" altLang="zh-CN" sz="2000" dirty="0"/>
               </a:p>
               <a:p>
                 <a:pPr lvl="1"/>
-                <a:endParaRPr lang="en-US" altLang="zh-CN" dirty="0"/>
+                <a:endParaRPr lang="en-US" altLang="zh-CN" sz="2000" dirty="0"/>
               </a:p>
               <a:p>
                 <a:pPr lvl="1"/>
-                <a:endParaRPr lang="en-US" altLang="zh-CN" dirty="0"/>
+                <a:endParaRPr lang="en-US" altLang="zh-CN" sz="2000" dirty="0"/>
               </a:p>
               <a:p>
                 <a:pPr lvl="1"/>
-                <a:endParaRPr lang="en-US" altLang="zh-CN" dirty="0"/>
+                <a:endParaRPr lang="en-US" altLang="zh-CN" sz="2000" dirty="0"/>
               </a:p>
               <a:p>
                 <a:pPr lvl="1"/>
-                <a:endParaRPr lang="en-US" altLang="zh-CN" dirty="0"/>
+                <a:endParaRPr lang="en-US" altLang="zh-CN" sz="2000" dirty="0"/>
               </a:p>
               <a:p>
                 <a:pPr lvl="1"/>
-                <a:endParaRPr lang="en-US" altLang="zh-CN" dirty="0"/>
+                <a:endParaRPr lang="en-US" altLang="zh-CN" sz="2000" dirty="0"/>
               </a:p>
               <a:p>
                 <a:pPr lvl="1"/>
                 <a:r>
-                  <a:rPr lang="zh-CN" altLang="en-US" dirty="0"/>
+                  <a:rPr lang="zh-CN" altLang="en-US" sz="2000" dirty="0"/>
                   <a:t>目标函数</a:t>
                 </a:r>
               </a:p>
             </p:txBody>
           </p:sp>
         </mc:Choice>
-        <mc:Fallback xmlns="">
+        <mc:Fallback>
           <p:sp>
             <p:nvSpPr>
               <p:cNvPr id="3" name="内容占位符 2">
@@ -9664,9 +9824,9 @@
             </p:nvSpPr>
             <p:spPr>
               <a:blipFill>
-                <a:blip r:embed="rId4"/>
+                <a:blip r:embed="rId2"/>
                 <a:stretch>
-                  <a:fillRect l="-778" t="-964"/>
+                  <a:fillRect l="-778" t="-941"/>
                 </a:stretch>
               </a:blipFill>
             </p:spPr>
@@ -9783,7 +9943,7 @@
           <p:nvPr/>
         </p:nvPicPr>
         <p:blipFill>
-          <a:blip r:embed="rId5">
+          <a:blip r:embed="rId3">
             <a:extLst>
               <a:ext uri="{28A0092B-C50C-407E-A947-70E740481C1C}">
                 <a14:useLocalDpi xmlns:a14="http://schemas.microsoft.com/office/drawing/2010/main" val="0"/>
@@ -9819,7 +9979,7 @@
           <p:nvPr/>
         </p:nvPicPr>
         <p:blipFill>
-          <a:blip r:embed="rId6">
+          <a:blip r:embed="rId4">
             <a:extLst>
               <a:ext uri="{28A0092B-C50C-407E-A947-70E740481C1C}">
                 <a14:useLocalDpi xmlns:a14="http://schemas.microsoft.com/office/drawing/2010/main" val="0"/>
@@ -9832,7 +9992,7 @@
         </p:blipFill>
         <p:spPr>
           <a:xfrm>
-            <a:off x="1676400" y="3382547"/>
+            <a:off x="1663550" y="3276600"/>
             <a:ext cx="3832802" cy="1682250"/>
           </a:xfrm>
           <a:prstGeom prst="rect">
@@ -9855,7 +10015,7 @@
           <p:nvPr/>
         </p:nvPicPr>
         <p:blipFill>
-          <a:blip r:embed="rId7" cstate="print">
+          <a:blip r:embed="rId5" cstate="print">
             <a:extLst>
               <a:ext uri="{28A0092B-C50C-407E-A947-70E740481C1C}">
                 <a14:useLocalDpi xmlns:a14="http://schemas.microsoft.com/office/drawing/2010/main" val="0"/>
@@ -9891,7 +10051,7 @@
           <p:nvPr/>
         </p:nvPicPr>
         <p:blipFill>
-          <a:blip r:embed="rId8">
+          <a:blip r:embed="rId6">
             <a:extLst>
               <a:ext uri="{28A0092B-C50C-407E-A947-70E740481C1C}">
                 <a14:useLocalDpi xmlns:a14="http://schemas.microsoft.com/office/drawing/2010/main" val="0"/>
@@ -9904,7 +10064,7 @@
         </p:blipFill>
         <p:spPr>
           <a:xfrm>
-            <a:off x="1981200" y="5518578"/>
+            <a:off x="1842906" y="5307178"/>
             <a:ext cx="2879347" cy="762020"/>
           </a:xfrm>
           <a:prstGeom prst="rect">
@@ -9927,7 +10087,7 @@
           <p:nvPr/>
         </p:nvPicPr>
         <p:blipFill>
-          <a:blip r:embed="rId9">
+          <a:blip r:embed="rId7">
             <a:extLst>
               <a:ext uri="{28A0092B-C50C-407E-A947-70E740481C1C}">
                 <a14:useLocalDpi xmlns:a14="http://schemas.microsoft.com/office/drawing/2010/main" val="0"/>
@@ -9940,7 +10100,7 @@
         </p:blipFill>
         <p:spPr>
           <a:xfrm>
-            <a:off x="8365657" y="1721537"/>
+            <a:off x="8077200" y="2147201"/>
             <a:ext cx="1099486" cy="429997"/>
           </a:xfrm>
           <a:prstGeom prst="rect">
@@ -10440,8 +10600,8 @@
           <a:chExt cx="0" cy="0"/>
         </a:xfrm>
       </p:grpSpPr>
-      <mc:AlternateContent xmlns:mc="http://schemas.openxmlformats.org/markup-compatibility/2006" xmlns:a14="http://schemas.microsoft.com/office/drawing/2010/main">
-        <mc:Choice Requires="a14">
+      <mc:AlternateContent xmlns:mc="http://schemas.openxmlformats.org/markup-compatibility/2006">
+        <mc:Choice xmlns:a14="http://schemas.microsoft.com/office/drawing/2010/main" Requires="a14">
           <p:sp>
             <p:nvSpPr>
               <p:cNvPr id="3" name="内容占位符 2">
@@ -10462,15 +10622,6 @@
             <p:txBody>
               <a:bodyPr/>
               <a:lstStyle/>
-              <a:p>
-                <a:endParaRPr lang="en-US" altLang="zh-CN" dirty="0"/>
-              </a:p>
-              <a:p>
-                <a:endParaRPr lang="en-US" altLang="zh-CN" dirty="0"/>
-              </a:p>
-              <a:p>
-                <a:endParaRPr lang="en-US" altLang="zh-CN" dirty="0"/>
-              </a:p>
               <a:p>
                 <a:endParaRPr lang="en-US" altLang="zh-CN" dirty="0"/>
               </a:p>
@@ -10535,7 +10686,7 @@
             </p:txBody>
           </p:sp>
         </mc:Choice>
-        <mc:Fallback xmlns="">
+        <mc:Fallback>
           <p:sp>
             <p:nvSpPr>
               <p:cNvPr id="3" name="内容占位符 2">
@@ -10554,9 +10705,9 @@
             </p:nvSpPr>
             <p:spPr>
               <a:blipFill>
-                <a:blip r:embed="rId4"/>
+                <a:blip r:embed="rId2"/>
                 <a:stretch>
-                  <a:fillRect l="-778" r="-6222"/>
+                  <a:fillRect l="-1556"/>
                 </a:stretch>
               </a:blipFill>
             </p:spPr>
@@ -10619,7 +10770,7 @@
           <p:nvPr/>
         </p:nvPicPr>
         <p:blipFill>
-          <a:blip r:embed="rId5"/>
+          <a:blip r:embed="rId3"/>
           <a:stretch>
             <a:fillRect/>
           </a:stretch>
@@ -10649,7 +10800,7 @@
           <p:nvPr/>
         </p:nvPicPr>
         <p:blipFill>
-          <a:blip r:embed="rId6">
+          <a:blip r:embed="rId4">
             <a:extLst>
               <a:ext uri="{28A0092B-C50C-407E-A947-70E740481C1C}">
                 <a14:useLocalDpi xmlns:a14="http://schemas.microsoft.com/office/drawing/2010/main" val="0"/>
@@ -10982,7 +11133,7 @@
   <a:extraClrSchemeLst/>
   <a:extLst>
     <a:ext uri="{05A4C25C-085E-4340-85A3-A5531E510DB2}">
-      <thm15:themeFamily xmlns:thm15="http://schemas.microsoft.com/office/thememl/2012/main" name="my" id="{B8706E51-85D1-4208-8AD4-B6592867848C}" vid="{BF9D5D0F-7751-44E7-A62A-12F43CC68E2F}"/>
+      <thm15:themeFamily xmlns:thm15="http://schemas.microsoft.com/office/thememl/2012/main" name="my" id="{5DDFF489-810C-4640-A13F-DDD18827279A}" vid="{1ADADE9B-649E-4437-BF06-95F7A2A146D6}"/>
     </a:ext>
   </a:extLst>
 </a:theme>
